--- a/docs/resources/tools/Presentacion Simple.pptx
+++ b/docs/resources/tools/Presentacion Simple.pptx
@@ -6,11 +6,12 @@
   </p:sldMasterIdLst>
   <p:sldIdLst>
     <p:sldId id="256" r:id="rId2"/>
-    <p:sldId id="260" r:id="rId3"/>
-    <p:sldId id="261" r:id="rId4"/>
+    <p:sldId id="264" r:id="rId3"/>
+    <p:sldId id="265" r:id="rId4"/>
     <p:sldId id="258" r:id="rId5"/>
     <p:sldId id="257" r:id="rId6"/>
-    <p:sldId id="262" r:id="rId7"/>
+    <p:sldId id="263" r:id="rId7"/>
+    <p:sldId id="262" r:id="rId8"/>
   </p:sldIdLst>
   <p:sldSz cx="12192000" cy="6858000"/>
   <p:notesSz cx="6858000" cy="9144000"/>
@@ -109,6 +110,11 @@
       </a:defRPr>
     </a:lvl9pPr>
   </p:defaultTextStyle>
+  <p:extLst>
+    <p:ext uri="{EFAFB233-063F-42B5-8137-9DF3F51BA10A}">
+      <p15:sldGuideLst xmlns:p15="http://schemas.microsoft.com/office/powerpoint/2012/main"/>
+    </p:ext>
+  </p:extLst>
 </p:presentation>
 </file>
 
@@ -259,7 +265,7 @@
           <a:p>
             <a:fld id="{633C9DB4-6DBA-4D6F-9266-C81D906FB701}" type="datetimeFigureOut">
               <a:rPr lang="es-ES" smtClean="0"/>
-              <a:t>09/01/2021</a:t>
+              <a:t>16/01/2021</a:t>
             </a:fld>
             <a:endParaRPr lang="es-ES"/>
           </a:p>
@@ -457,7 +463,7 @@
           <a:p>
             <a:fld id="{633C9DB4-6DBA-4D6F-9266-C81D906FB701}" type="datetimeFigureOut">
               <a:rPr lang="es-ES" smtClean="0"/>
-              <a:t>09/01/2021</a:t>
+              <a:t>16/01/2021</a:t>
             </a:fld>
             <a:endParaRPr lang="es-ES"/>
           </a:p>
@@ -665,7 +671,7 @@
           <a:p>
             <a:fld id="{633C9DB4-6DBA-4D6F-9266-C81D906FB701}" type="datetimeFigureOut">
               <a:rPr lang="es-ES" smtClean="0"/>
-              <a:t>09/01/2021</a:t>
+              <a:t>16/01/2021</a:t>
             </a:fld>
             <a:endParaRPr lang="es-ES"/>
           </a:p>
@@ -863,7 +869,7 @@
           <a:p>
             <a:fld id="{633C9DB4-6DBA-4D6F-9266-C81D906FB701}" type="datetimeFigureOut">
               <a:rPr lang="es-ES" smtClean="0"/>
-              <a:t>09/01/2021</a:t>
+              <a:t>16/01/2021</a:t>
             </a:fld>
             <a:endParaRPr lang="es-ES"/>
           </a:p>
@@ -1138,7 +1144,7 @@
           <a:p>
             <a:fld id="{633C9DB4-6DBA-4D6F-9266-C81D906FB701}" type="datetimeFigureOut">
               <a:rPr lang="es-ES" smtClean="0"/>
-              <a:t>09/01/2021</a:t>
+              <a:t>16/01/2021</a:t>
             </a:fld>
             <a:endParaRPr lang="es-ES"/>
           </a:p>
@@ -1403,7 +1409,7 @@
           <a:p>
             <a:fld id="{633C9DB4-6DBA-4D6F-9266-C81D906FB701}" type="datetimeFigureOut">
               <a:rPr lang="es-ES" smtClean="0"/>
-              <a:t>09/01/2021</a:t>
+              <a:t>16/01/2021</a:t>
             </a:fld>
             <a:endParaRPr lang="es-ES"/>
           </a:p>
@@ -1815,7 +1821,7 @@
           <a:p>
             <a:fld id="{633C9DB4-6DBA-4D6F-9266-C81D906FB701}" type="datetimeFigureOut">
               <a:rPr lang="es-ES" smtClean="0"/>
-              <a:t>09/01/2021</a:t>
+              <a:t>16/01/2021</a:t>
             </a:fld>
             <a:endParaRPr lang="es-ES"/>
           </a:p>
@@ -1956,7 +1962,7 @@
           <a:p>
             <a:fld id="{633C9DB4-6DBA-4D6F-9266-C81D906FB701}" type="datetimeFigureOut">
               <a:rPr lang="es-ES" smtClean="0"/>
-              <a:t>09/01/2021</a:t>
+              <a:t>16/01/2021</a:t>
             </a:fld>
             <a:endParaRPr lang="es-ES"/>
           </a:p>
@@ -2069,7 +2075,7 @@
           <a:p>
             <a:fld id="{633C9DB4-6DBA-4D6F-9266-C81D906FB701}" type="datetimeFigureOut">
               <a:rPr lang="es-ES" smtClean="0"/>
-              <a:t>09/01/2021</a:t>
+              <a:t>16/01/2021</a:t>
             </a:fld>
             <a:endParaRPr lang="es-ES"/>
           </a:p>
@@ -2380,7 +2386,7 @@
           <a:p>
             <a:fld id="{633C9DB4-6DBA-4D6F-9266-C81D906FB701}" type="datetimeFigureOut">
               <a:rPr lang="es-ES" smtClean="0"/>
-              <a:t>09/01/2021</a:t>
+              <a:t>16/01/2021</a:t>
             </a:fld>
             <a:endParaRPr lang="es-ES"/>
           </a:p>
@@ -2668,7 +2674,7 @@
           <a:p>
             <a:fld id="{633C9DB4-6DBA-4D6F-9266-C81D906FB701}" type="datetimeFigureOut">
               <a:rPr lang="es-ES" smtClean="0"/>
-              <a:t>09/01/2021</a:t>
+              <a:t>16/01/2021</a:t>
             </a:fld>
             <a:endParaRPr lang="es-ES"/>
           </a:p>
@@ -2909,7 +2915,7 @@
           <a:p>
             <a:fld id="{633C9DB4-6DBA-4D6F-9266-C81D906FB701}" type="datetimeFigureOut">
               <a:rPr lang="es-ES" smtClean="0"/>
-              <a:t>09/01/2021</a:t>
+              <a:t>16/01/2021</a:t>
             </a:fld>
             <a:endParaRPr lang="es-ES"/>
           </a:p>
@@ -3312,6 +3318,14 @@
 <file path=ppt/slides/slide1.xml><?xml version="1.0" encoding="utf-8"?>
 <p:sld xmlns:a="http://schemas.openxmlformats.org/drawingml/2006/main" xmlns:r="http://schemas.openxmlformats.org/officeDocument/2006/relationships" xmlns:p="http://schemas.openxmlformats.org/presentationml/2006/main">
   <p:cSld>
+    <p:bg>
+      <p:bgPr>
+        <a:solidFill>
+          <a:schemeClr val="bg1"/>
+        </a:solidFill>
+        <a:effectLst/>
+      </p:bgPr>
+    </p:bg>
     <p:spTree>
       <p:nvGrpSpPr>
         <p:cNvPr id="1" name=""/>
@@ -3328,6 +3342,216 @@
       </p:grpSpPr>
       <p:sp>
         <p:nvSpPr>
+          <p:cNvPr id="8" name="Rectangle 7">
+            <a:extLst>
+              <a:ext uri="{FF2B5EF4-FFF2-40B4-BE49-F238E27FC236}">
+                <a16:creationId xmlns:a16="http://schemas.microsoft.com/office/drawing/2014/main" id="{2A8AA5BC-4F7A-4226-8F99-6D824B226A97}"/>
+              </a:ext>
+              <a:ext uri="{C183D7F6-B498-43B3-948B-1728B52AA6E4}">
+                <adec:decorative xmlns:adec="http://schemas.microsoft.com/office/drawing/2017/decorative" val="1"/>
+              </a:ext>
+            </a:extLst>
+          </p:cNvPr>
+          <p:cNvSpPr>
+            <a:spLocks noGrp="1" noRot="1" noChangeAspect="1" noMove="1" noResize="1" noEditPoints="1" noAdjustHandles="1" noChangeArrowheads="1" noChangeShapeType="1" noTextEdit="1"/>
+          </p:cNvSpPr>
+          <p:nvPr>
+            <p:extLst>
+              <p:ext uri="{386F3935-93C4-4BCD-93E2-E3B085C9AB24}">
+                <p16:designElem xmlns:p16="http://schemas.microsoft.com/office/powerpoint/2015/main" val="1"/>
+              </p:ext>
+            </p:extLst>
+          </p:nvPr>
+        </p:nvSpPr>
+        <p:spPr>
+          <a:xfrm>
+            <a:off x="0" y="-3324"/>
+            <a:ext cx="12192000" cy="6861324"/>
+          </a:xfrm>
+          <a:prstGeom prst="rect">
+            <a:avLst/>
+          </a:prstGeom>
+          <a:solidFill>
+            <a:schemeClr val="tx1">
+              <a:lumMod val="75000"/>
+              <a:lumOff val="25000"/>
+            </a:schemeClr>
+          </a:solidFill>
+          <a:ln>
+            <a:noFill/>
+          </a:ln>
+        </p:spPr>
+        <p:style>
+          <a:lnRef idx="2">
+            <a:schemeClr val="accent1">
+              <a:shade val="50000"/>
+            </a:schemeClr>
+          </a:lnRef>
+          <a:fillRef idx="1">
+            <a:schemeClr val="accent1"/>
+          </a:fillRef>
+          <a:effectRef idx="0">
+            <a:schemeClr val="accent1"/>
+          </a:effectRef>
+          <a:fontRef idx="minor">
+            <a:schemeClr val="lt1"/>
+          </a:fontRef>
+        </p:style>
+        <p:txBody>
+          <a:bodyPr rtlCol="0" anchor="ctr"/>
+          <a:lstStyle/>
+          <a:p>
+            <a:pPr marL="0" marR="0" lvl="0" indent="0" algn="ctr" defTabSz="914400" rtl="0" eaLnBrk="1" fontAlgn="auto" latinLnBrk="0" hangingPunct="1">
+              <a:lnSpc>
+                <a:spcPct val="100000"/>
+              </a:lnSpc>
+              <a:spcBef>
+                <a:spcPts val="0"/>
+              </a:spcBef>
+              <a:spcAft>
+                <a:spcPts val="0"/>
+              </a:spcAft>
+              <a:buClrTx/>
+              <a:buSzTx/>
+              <a:buFontTx/>
+              <a:buNone/>
+              <a:tabLst/>
+              <a:defRPr/>
+            </a:pPr>
+            <a:endParaRPr kumimoji="0" lang="en-US" sz="1800" b="0" i="0" u="none" strike="noStrike" kern="1200" cap="none" spc="0" normalizeH="0" baseline="0" noProof="0">
+              <a:ln>
+                <a:noFill/>
+              </a:ln>
+              <a:solidFill>
+                <a:prstClr val="white"/>
+              </a:solidFill>
+              <a:effectLst/>
+              <a:uLnTx/>
+              <a:uFillTx/>
+              <a:latin typeface="Calibri" panose="020F0502020204030204"/>
+              <a:ea typeface="+mn-ea"/>
+              <a:cs typeface="+mn-cs"/>
+            </a:endParaRPr>
+          </a:p>
+        </p:txBody>
+      </p:sp>
+      <p:cxnSp>
+        <p:nvCxnSpPr>
+          <p:cNvPr id="10" name="Straight Connector 9">
+            <a:extLst>
+              <a:ext uri="{FF2B5EF4-FFF2-40B4-BE49-F238E27FC236}">
+                <a16:creationId xmlns:a16="http://schemas.microsoft.com/office/drawing/2014/main" id="{911DBBF1-3229-4BD9-B3D1-B4CA571E7431}"/>
+              </a:ext>
+              <a:ext uri="{C183D7F6-B498-43B3-948B-1728B52AA6E4}">
+                <adec:decorative xmlns:adec="http://schemas.microsoft.com/office/drawing/2017/decorative" val="1"/>
+              </a:ext>
+            </a:extLst>
+          </p:cNvPr>
+          <p:cNvCxnSpPr>
+            <a:cxnSpLocks noGrp="1" noRot="1" noChangeAspect="1" noMove="1" noResize="1" noEditPoints="1" noAdjustHandles="1" noChangeArrowheads="1" noChangeShapeType="1"/>
+          </p:cNvCxnSpPr>
+          <p:nvPr>
+            <p:extLst>
+              <p:ext uri="{386F3935-93C4-4BCD-93E2-E3B085C9AB24}">
+                <p16:designElem xmlns:p16="http://schemas.microsoft.com/office/powerpoint/2015/main" val="1"/>
+              </p:ext>
+            </p:extLst>
+          </p:nvPr>
+        </p:nvCxnSpPr>
+        <p:spPr bwMode="white">
+          <a:xfrm>
+            <a:off x="0" y="843625"/>
+            <a:ext cx="12188824" cy="0"/>
+          </a:xfrm>
+          <a:prstGeom prst="line">
+            <a:avLst/>
+          </a:prstGeom>
+          <a:ln w="50800">
+            <a:solidFill>
+              <a:schemeClr val="bg1"/>
+            </a:solidFill>
+          </a:ln>
+        </p:spPr>
+        <p:style>
+          <a:lnRef idx="1">
+            <a:schemeClr val="accent1"/>
+          </a:lnRef>
+          <a:fillRef idx="0">
+            <a:schemeClr val="accent1"/>
+          </a:fillRef>
+          <a:effectRef idx="0">
+            <a:schemeClr val="accent1"/>
+          </a:effectRef>
+          <a:fontRef idx="minor">
+            <a:schemeClr val="tx1"/>
+          </a:fontRef>
+        </p:style>
+      </p:cxnSp>
+      <p:sp>
+        <p:nvSpPr>
+          <p:cNvPr id="12" name="Rectangle 11">
+            <a:extLst>
+              <a:ext uri="{FF2B5EF4-FFF2-40B4-BE49-F238E27FC236}">
+                <a16:creationId xmlns:a16="http://schemas.microsoft.com/office/drawing/2014/main" id="{5BC87C3E-1040-4EE4-9BDB-9537F7A1B335}"/>
+              </a:ext>
+              <a:ext uri="{C183D7F6-B498-43B3-948B-1728B52AA6E4}">
+                <adec:decorative xmlns:adec="http://schemas.microsoft.com/office/drawing/2017/decorative" val="1"/>
+              </a:ext>
+            </a:extLst>
+          </p:cNvPr>
+          <p:cNvSpPr>
+            <a:spLocks noGrp="1" noRot="1" noChangeAspect="1" noMove="1" noResize="1" noEditPoints="1" noAdjustHandles="1" noChangeArrowheads="1" noChangeShapeType="1" noTextEdit="1"/>
+          </p:cNvSpPr>
+          <p:nvPr>
+            <p:extLst>
+              <p:ext uri="{386F3935-93C4-4BCD-93E2-E3B085C9AB24}">
+                <p16:designElem xmlns:p16="http://schemas.microsoft.com/office/powerpoint/2015/main" val="1"/>
+              </p:ext>
+            </p:extLst>
+          </p:nvPr>
+        </p:nvSpPr>
+        <p:spPr>
+          <a:xfrm>
+            <a:off x="3176" y="968282"/>
+            <a:ext cx="12188824" cy="4946904"/>
+          </a:xfrm>
+          <a:prstGeom prst="rect">
+            <a:avLst/>
+          </a:prstGeom>
+          <a:solidFill>
+            <a:schemeClr val="bg1"/>
+          </a:solidFill>
+          <a:ln>
+            <a:noFill/>
+          </a:ln>
+        </p:spPr>
+        <p:style>
+          <a:lnRef idx="2">
+            <a:schemeClr val="accent1">
+              <a:shade val="50000"/>
+            </a:schemeClr>
+          </a:lnRef>
+          <a:fillRef idx="1">
+            <a:schemeClr val="accent1"/>
+          </a:fillRef>
+          <a:effectRef idx="0">
+            <a:schemeClr val="accent1"/>
+          </a:effectRef>
+          <a:fontRef idx="minor">
+            <a:schemeClr val="lt1"/>
+          </a:fontRef>
+        </p:style>
+        <p:txBody>
+          <a:bodyPr rtlCol="0" anchor="ctr"/>
+          <a:lstStyle/>
+          <a:p>
+            <a:pPr algn="ctr"/>
+            <a:endParaRPr lang="en-US"/>
+          </a:p>
+        </p:txBody>
+      </p:sp>
+      <p:sp>
+        <p:nvSpPr>
           <p:cNvPr id="2" name="Título 1">
             <a:extLst>
               <a:ext uri="{FF2B5EF4-FFF2-40B4-BE49-F238E27FC236}">
@@ -3342,14 +3566,35 @@
             <p:ph type="ctrTitle"/>
           </p:nvPr>
         </p:nvSpPr>
-        <p:spPr/>
-        <p:txBody>
-          <a:bodyPr/>
-          <a:lstStyle/>
-          <a:p>
-            <a:r>
-              <a:rPr lang="es-ES" dirty="0"/>
-              <a:t>Tools</a:t>
+        <p:spPr>
+          <a:xfrm>
+            <a:off x="795338" y="1566473"/>
+            <a:ext cx="10601325" cy="2166723"/>
+          </a:xfrm>
+        </p:spPr>
+        <p:txBody>
+          <a:bodyPr>
+            <a:normAutofit fontScale="90000"/>
+          </a:bodyPr>
+          <a:lstStyle/>
+          <a:p>
+            <a:br>
+              <a:rPr lang="es-ES" sz="6600" dirty="0"/>
+            </a:br>
+            <a:r>
+              <a:rPr lang="es-ES" sz="6600" dirty="0" err="1"/>
+              <a:t>Alis</a:t>
+            </a:r>
+            <a:r>
+              <a:rPr lang="es-ES" sz="6600" dirty="0"/>
+              <a:t> Framework</a:t>
+            </a:r>
+            <a:br>
+              <a:rPr lang="es-ES" sz="6600" dirty="0"/>
+            </a:br>
+            <a:r>
+              <a:rPr lang="es-ES" sz="6600" dirty="0"/>
+              <a:t>Tools 1.0</a:t>
             </a:r>
           </a:p>
         </p:txBody>
@@ -3370,9 +3615,16 @@
             <p:ph type="subTitle" idx="1"/>
           </p:nvPr>
         </p:nvSpPr>
-        <p:spPr/>
-        <p:txBody>
-          <a:bodyPr/>
+        <p:spPr>
+          <a:xfrm>
+            <a:off x="795338" y="4092320"/>
+            <a:ext cx="10601325" cy="1144884"/>
+          </a:xfrm>
+        </p:spPr>
+        <p:txBody>
+          <a:bodyPr>
+            <a:normAutofit/>
+          </a:bodyPr>
           <a:lstStyle/>
           <a:p>
             <a:r>
@@ -3382,6 +3634,113 @@
           </a:p>
         </p:txBody>
       </p:sp>
+      <p:cxnSp>
+        <p:nvCxnSpPr>
+          <p:cNvPr id="14" name="Straight Connector 13">
+            <a:extLst>
+              <a:ext uri="{FF2B5EF4-FFF2-40B4-BE49-F238E27FC236}">
+                <a16:creationId xmlns:a16="http://schemas.microsoft.com/office/drawing/2014/main" id="{42CDBECE-872A-4C73-9DC1-BB4E805E2CF5}"/>
+              </a:ext>
+              <a:ext uri="{C183D7F6-B498-43B3-948B-1728B52AA6E4}">
+                <adec:decorative xmlns:adec="http://schemas.microsoft.com/office/drawing/2017/decorative" val="1"/>
+              </a:ext>
+            </a:extLst>
+          </p:cNvPr>
+          <p:cNvCxnSpPr>
+            <a:cxnSpLocks noGrp="1" noRot="1" noChangeAspect="1" noMove="1" noResize="1" noEditPoints="1" noAdjustHandles="1" noChangeArrowheads="1" noChangeShapeType="1"/>
+          </p:cNvCxnSpPr>
+          <p:nvPr>
+            <p:extLst>
+              <p:ext uri="{386F3935-93C4-4BCD-93E2-E3B085C9AB24}">
+                <p16:designElem xmlns:p16="http://schemas.microsoft.com/office/powerpoint/2015/main" val="1"/>
+              </p:ext>
+            </p:extLst>
+          </p:nvPr>
+        </p:nvCxnSpPr>
+        <p:spPr>
+          <a:xfrm>
+            <a:off x="4724400" y="3894594"/>
+            <a:ext cx="2743200" cy="0"/>
+          </a:xfrm>
+          <a:prstGeom prst="line">
+            <a:avLst/>
+          </a:prstGeom>
+          <a:ln w="19050">
+            <a:solidFill>
+              <a:schemeClr val="tx1">
+                <a:lumMod val="50000"/>
+                <a:lumOff val="50000"/>
+              </a:schemeClr>
+            </a:solidFill>
+          </a:ln>
+        </p:spPr>
+        <p:style>
+          <a:lnRef idx="1">
+            <a:schemeClr val="accent1"/>
+          </a:lnRef>
+          <a:fillRef idx="0">
+            <a:schemeClr val="accent1"/>
+          </a:fillRef>
+          <a:effectRef idx="0">
+            <a:schemeClr val="accent1"/>
+          </a:effectRef>
+          <a:fontRef idx="minor">
+            <a:schemeClr val="tx1"/>
+          </a:fontRef>
+        </p:style>
+      </p:cxnSp>
+      <p:cxnSp>
+        <p:nvCxnSpPr>
+          <p:cNvPr id="16" name="Straight Connector 15">
+            <a:extLst>
+              <a:ext uri="{FF2B5EF4-FFF2-40B4-BE49-F238E27FC236}">
+                <a16:creationId xmlns:a16="http://schemas.microsoft.com/office/drawing/2014/main" id="{F5CD5A0B-CDD7-427C-AA42-2EECFDFA1811}"/>
+              </a:ext>
+              <a:ext uri="{C183D7F6-B498-43B3-948B-1728B52AA6E4}">
+                <adec:decorative xmlns:adec="http://schemas.microsoft.com/office/drawing/2017/decorative" val="1"/>
+              </a:ext>
+            </a:extLst>
+          </p:cNvPr>
+          <p:cNvCxnSpPr>
+            <a:cxnSpLocks noGrp="1" noRot="1" noChangeAspect="1" noMove="1" noResize="1" noEditPoints="1" noAdjustHandles="1" noChangeArrowheads="1" noChangeShapeType="1"/>
+          </p:cNvCxnSpPr>
+          <p:nvPr>
+            <p:extLst>
+              <p:ext uri="{386F3935-93C4-4BCD-93E2-E3B085C9AB24}">
+                <p16:designElem xmlns:p16="http://schemas.microsoft.com/office/powerpoint/2015/main" val="1"/>
+              </p:ext>
+            </p:extLst>
+          </p:nvPr>
+        </p:nvCxnSpPr>
+        <p:spPr bwMode="white">
+          <a:xfrm>
+            <a:off x="0" y="6028863"/>
+            <a:ext cx="12188824" cy="0"/>
+          </a:xfrm>
+          <a:prstGeom prst="line">
+            <a:avLst/>
+          </a:prstGeom>
+          <a:ln w="50800">
+            <a:solidFill>
+              <a:schemeClr val="bg1"/>
+            </a:solidFill>
+          </a:ln>
+        </p:spPr>
+        <p:style>
+          <a:lnRef idx="1">
+            <a:schemeClr val="accent1"/>
+          </a:lnRef>
+          <a:fillRef idx="0">
+            <a:schemeClr val="accent1"/>
+          </a:fillRef>
+          <a:effectRef idx="0">
+            <a:schemeClr val="accent1"/>
+          </a:effectRef>
+          <a:fontRef idx="minor">
+            <a:schemeClr val="tx1"/>
+          </a:fontRef>
+        </p:style>
+      </p:cxnSp>
     </p:spTree>
     <p:extLst>
       <p:ext uri="{BB962C8B-B14F-4D97-AF65-F5344CB8AC3E}">
@@ -3398,6 +3757,14 @@
 <file path=ppt/slides/slide2.xml><?xml version="1.0" encoding="utf-8"?>
 <p:sld xmlns:a="http://schemas.openxmlformats.org/drawingml/2006/main" xmlns:r="http://schemas.openxmlformats.org/officeDocument/2006/relationships" xmlns:p="http://schemas.openxmlformats.org/presentationml/2006/main">
   <p:cSld>
+    <p:bg>
+      <p:bgPr>
+        <a:solidFill>
+          <a:schemeClr val="bg1"/>
+        </a:solidFill>
+        <a:effectLst/>
+      </p:bgPr>
+    </p:bg>
     <p:spTree>
       <p:nvGrpSpPr>
         <p:cNvPr id="1" name=""/>
@@ -3414,80 +3781,156 @@
       </p:grpSpPr>
       <p:sp>
         <p:nvSpPr>
-          <p:cNvPr id="2" name="Título 1">
-            <a:extLst>
-              <a:ext uri="{FF2B5EF4-FFF2-40B4-BE49-F238E27FC236}">
-                <a16:creationId xmlns:a16="http://schemas.microsoft.com/office/drawing/2014/main" id="{EA52B511-05D9-4A9B-A3F0-64568A195A19}"/>
-              </a:ext>
-            </a:extLst>
-          </p:cNvPr>
-          <p:cNvSpPr>
-            <a:spLocks noGrp="1"/>
-          </p:cNvSpPr>
-          <p:nvPr>
-            <p:ph type="ctrTitle"/>
-          </p:nvPr>
-        </p:nvSpPr>
+          <p:cNvPr id="17" name="Rectangle 16">
+            <a:extLst>
+              <a:ext uri="{FF2B5EF4-FFF2-40B4-BE49-F238E27FC236}">
+                <a16:creationId xmlns:a16="http://schemas.microsoft.com/office/drawing/2014/main" id="{823AC064-BC96-4F32-8AE1-B2FD38754823}"/>
+              </a:ext>
+              <a:ext uri="{C183D7F6-B498-43B3-948B-1728B52AA6E4}">
+                <adec:decorative xmlns:adec="http://schemas.microsoft.com/office/drawing/2017/decorative" val="1"/>
+              </a:ext>
+            </a:extLst>
+          </p:cNvPr>
+          <p:cNvSpPr>
+            <a:spLocks noGrp="1" noRot="1" noChangeAspect="1" noMove="1" noResize="1" noEditPoints="1" noAdjustHandles="1" noChangeArrowheads="1" noChangeShapeType="1" noTextEdit="1"/>
+          </p:cNvSpPr>
+          <p:nvPr>
+            <p:extLst>
+              <p:ext uri="{386F3935-93C4-4BCD-93E2-E3B085C9AB24}">
+                <p16:designElem xmlns:p16="http://schemas.microsoft.com/office/powerpoint/2015/main" val="1"/>
+              </p:ext>
+            </p:extLst>
+          </p:nvPr>
+        </p:nvSpPr>
+        <p:spPr bwMode="ltGray">
+          <a:xfrm>
+            <a:off x="378068" y="343486"/>
+            <a:ext cx="11438793" cy="1844256"/>
+          </a:xfrm>
+          <a:prstGeom prst="rect">
+            <a:avLst/>
+          </a:prstGeom>
+          <a:solidFill>
+            <a:srgbClr val="404040"/>
+          </a:solidFill>
+          <a:ln w="127000" cap="sq" cmpd="thinThick">
+            <a:solidFill>
+              <a:srgbClr val="404040"/>
+            </a:solidFill>
+          </a:ln>
+        </p:spPr>
+        <p:style>
+          <a:lnRef idx="2">
+            <a:schemeClr val="accent1">
+              <a:shade val="50000"/>
+            </a:schemeClr>
+          </a:lnRef>
+          <a:fillRef idx="1">
+            <a:schemeClr val="accent1"/>
+          </a:fillRef>
+          <a:effectRef idx="0">
+            <a:schemeClr val="accent1"/>
+          </a:effectRef>
+          <a:fontRef idx="minor">
+            <a:schemeClr val="lt1"/>
+          </a:fontRef>
+        </p:style>
+        <p:txBody>
+          <a:bodyPr rtlCol="0" anchor="ctr"/>
+          <a:lstStyle/>
+          <a:p>
+            <a:pPr marL="0" marR="0" lvl="0" indent="0" algn="ctr" defTabSz="914400" rtl="0" eaLnBrk="1" fontAlgn="auto" latinLnBrk="0" hangingPunct="1">
+              <a:lnSpc>
+                <a:spcPct val="100000"/>
+              </a:lnSpc>
+              <a:spcBef>
+                <a:spcPts val="0"/>
+              </a:spcBef>
+              <a:spcAft>
+                <a:spcPts val="0"/>
+              </a:spcAft>
+              <a:buClrTx/>
+              <a:buSzTx/>
+              <a:buFontTx/>
+              <a:buNone/>
+              <a:tabLst/>
+              <a:defRPr/>
+            </a:pPr>
+            <a:endParaRPr kumimoji="0" lang="en-US" sz="1800" b="0" i="0" u="none" strike="noStrike" kern="1200" cap="none" spc="0" normalizeH="0" baseline="0" noProof="0">
+              <a:ln>
+                <a:noFill/>
+              </a:ln>
+              <a:solidFill>
+                <a:prstClr val="white"/>
+              </a:solidFill>
+              <a:effectLst/>
+              <a:uLnTx/>
+              <a:uFillTx/>
+              <a:latin typeface="Calibri" panose="020F0502020204030204"/>
+              <a:ea typeface="+mn-ea"/>
+              <a:cs typeface="+mn-cs"/>
+            </a:endParaRPr>
+          </a:p>
+        </p:txBody>
+      </p:sp>
+      <p:cxnSp>
+        <p:nvCxnSpPr>
+          <p:cNvPr id="19" name="Straight Connector 18">
+            <a:extLst>
+              <a:ext uri="{FF2B5EF4-FFF2-40B4-BE49-F238E27FC236}">
+                <a16:creationId xmlns:a16="http://schemas.microsoft.com/office/drawing/2014/main" id="{7E7C77BC-7138-40B1-A15B-20F57A494629}"/>
+              </a:ext>
+              <a:ext uri="{C183D7F6-B498-43B3-948B-1728B52AA6E4}">
+                <adec:decorative xmlns:adec="http://schemas.microsoft.com/office/drawing/2017/decorative" val="1"/>
+              </a:ext>
+            </a:extLst>
+          </p:cNvPr>
+          <p:cNvCxnSpPr>
+            <a:cxnSpLocks noGrp="1" noRot="1" noChangeAspect="1" noMove="1" noResize="1" noEditPoints="1" noAdjustHandles="1" noChangeArrowheads="1" noChangeShapeType="1"/>
+          </p:cNvCxnSpPr>
+          <p:nvPr>
+            <p:extLst>
+              <p:ext uri="{386F3935-93C4-4BCD-93E2-E3B085C9AB24}">
+                <p16:designElem xmlns:p16="http://schemas.microsoft.com/office/powerpoint/2015/main" val="1"/>
+              </p:ext>
+            </p:extLst>
+          </p:nvPr>
+        </p:nvCxnSpPr>
         <p:spPr>
           <a:xfrm>
-            <a:off x="1524000" y="654612"/>
-            <a:ext cx="9144000" cy="945588"/>
-          </a:xfrm>
-        </p:spPr>
-        <p:txBody>
-          <a:bodyPr/>
-          <a:lstStyle/>
-          <a:p>
-            <a:r>
-              <a:rPr lang="es-ES" dirty="0" err="1"/>
-              <a:t>LocalData</a:t>
-            </a:r>
-            <a:r>
-              <a:rPr lang="es-ES" dirty="0"/>
-              <a:t> </a:t>
-            </a:r>
-          </a:p>
-        </p:txBody>
-      </p:sp>
-      <p:sp>
-        <p:nvSpPr>
-          <p:cNvPr id="3" name="Subtítulo 2">
-            <a:extLst>
-              <a:ext uri="{FF2B5EF4-FFF2-40B4-BE49-F238E27FC236}">
-                <a16:creationId xmlns:a16="http://schemas.microsoft.com/office/drawing/2014/main" id="{436D2E1C-EADA-4241-99DF-85A69E61E18C}"/>
-              </a:ext>
-            </a:extLst>
-          </p:cNvPr>
-          <p:cNvSpPr>
-            <a:spLocks noGrp="1"/>
-          </p:cNvSpPr>
-          <p:nvPr>
-            <p:ph type="subTitle" idx="1"/>
-          </p:nvPr>
-        </p:nvSpPr>
-        <p:spPr>
-          <a:xfrm>
-            <a:off x="1055077" y="1600200"/>
-            <a:ext cx="10860258" cy="495886"/>
-          </a:xfrm>
-        </p:spPr>
-        <p:txBody>
-          <a:bodyPr/>
-          <a:lstStyle/>
-          <a:p>
-            <a:r>
-              <a:rPr lang="es-ES" dirty="0"/>
-              <a:t>Permite guardar y cargar datos en LOCAL de manera rápida e intuitivita.</a:t>
-            </a:r>
-          </a:p>
-        </p:txBody>
-      </p:sp>
+            <a:off x="2209800" y="1448631"/>
+            <a:ext cx="7772400" cy="0"/>
+          </a:xfrm>
+          <a:prstGeom prst="line">
+            <a:avLst/>
+          </a:prstGeom>
+          <a:ln w="22225">
+            <a:solidFill>
+              <a:srgbClr val="D9D9D9"/>
+            </a:solidFill>
+          </a:ln>
+        </p:spPr>
+        <p:style>
+          <a:lnRef idx="1">
+            <a:schemeClr val="accent1"/>
+          </a:lnRef>
+          <a:fillRef idx="0">
+            <a:schemeClr val="accent1"/>
+          </a:fillRef>
+          <a:effectRef idx="0">
+            <a:schemeClr val="accent1"/>
+          </a:effectRef>
+          <a:fontRef idx="minor">
+            <a:schemeClr val="tx1"/>
+          </a:fontRef>
+        </p:style>
+      </p:cxnSp>
       <p:pic>
         <p:nvPicPr>
-          <p:cNvPr id="8" name="Imagen 7" descr="Una captura de pantalla de un celular&#10;&#10;Descripción generada automáticamente con confianza media">
-            <a:extLst>
-              <a:ext uri="{FF2B5EF4-FFF2-40B4-BE49-F238E27FC236}">
-                <a16:creationId xmlns:a16="http://schemas.microsoft.com/office/drawing/2014/main" id="{941579A0-D9BF-4E23-ADC0-36DCD5E135EA}"/>
+          <p:cNvPr id="7" name="Imagen 6" descr="Una captura de pantalla de un celular&#10;&#10;Descripción generada automáticamente con confianza media">
+            <a:extLst>
+              <a:ext uri="{FF2B5EF4-FFF2-40B4-BE49-F238E27FC236}">
+                <a16:creationId xmlns:a16="http://schemas.microsoft.com/office/drawing/2014/main" id="{A3ABBDFE-42D9-4929-AB46-EC85A916352C}"/>
               </a:ext>
             </a:extLst>
           </p:cNvPr>
@@ -3510,8 +3953,8 @@
         </p:blipFill>
         <p:spPr>
           <a:xfrm>
-            <a:off x="693386" y="3094427"/>
-            <a:ext cx="6008915" cy="1176681"/>
+            <a:off x="319088" y="3013075"/>
+            <a:ext cx="6953250" cy="1301750"/>
           </a:xfrm>
           <a:prstGeom prst="rect">
             <a:avLst/>
@@ -3520,10 +3963,10 @@
       </p:pic>
       <p:pic>
         <p:nvPicPr>
-          <p:cNvPr id="10" name="Imagen 9" descr="Texto&#10;&#10;Descripción generada automáticamente">
-            <a:extLst>
-              <a:ext uri="{FF2B5EF4-FFF2-40B4-BE49-F238E27FC236}">
-                <a16:creationId xmlns:a16="http://schemas.microsoft.com/office/drawing/2014/main" id="{A94C3EE1-0653-41E8-A646-8FBFA7B616B2}"/>
+          <p:cNvPr id="8" name="Imagen 7" descr="Texto&#10;&#10;Descripción generada automáticamente">
+            <a:extLst>
+              <a:ext uri="{FF2B5EF4-FFF2-40B4-BE49-F238E27FC236}">
+                <a16:creationId xmlns:a16="http://schemas.microsoft.com/office/drawing/2014/main" id="{A8A98903-66D3-42E4-9E17-26F43146A39C}"/>
               </a:ext>
             </a:extLst>
           </p:cNvPr>
@@ -3546,20 +3989,175 @@
         </p:blipFill>
         <p:spPr>
           <a:xfrm>
-            <a:off x="6879282" y="3094427"/>
-            <a:ext cx="4888827" cy="1176681"/>
+            <a:off x="319088" y="4394200"/>
+            <a:ext cx="6953250" cy="1609725"/>
           </a:xfrm>
           <a:prstGeom prst="rect">
             <a:avLst/>
           </a:prstGeom>
         </p:spPr>
       </p:pic>
-      <p:sp>
-        <p:nvSpPr>
-          <p:cNvPr id="11" name="Subtítulo 2">
-            <a:extLst>
-              <a:ext uri="{FF2B5EF4-FFF2-40B4-BE49-F238E27FC236}">
-                <a16:creationId xmlns:a16="http://schemas.microsoft.com/office/drawing/2014/main" id="{9A583DE2-F7FA-4E12-A2B0-7C094D33C1BA}"/>
+      <p:pic>
+        <p:nvPicPr>
+          <p:cNvPr id="11" name="Imagen 10" descr="Texto&#10;&#10;Descripción generada automáticamente">
+            <a:extLst>
+              <a:ext uri="{FF2B5EF4-FFF2-40B4-BE49-F238E27FC236}">
+                <a16:creationId xmlns:a16="http://schemas.microsoft.com/office/drawing/2014/main" id="{59BD1831-BC1B-4E5F-82FC-599459A3AB2B}"/>
+              </a:ext>
+            </a:extLst>
+          </p:cNvPr>
+          <p:cNvPicPr>
+            <a:picLocks noChangeAspect="1"/>
+          </p:cNvPicPr>
+          <p:nvPr/>
+        </p:nvPicPr>
+        <p:blipFill>
+          <a:blip r:embed="rId4">
+            <a:extLst>
+              <a:ext uri="{28A0092B-C50C-407E-A947-70E740481C1C}">
+                <a14:useLocalDpi xmlns:a14="http://schemas.microsoft.com/office/drawing/2010/main" val="0"/>
+              </a:ext>
+            </a:extLst>
+          </a:blip>
+          <a:stretch>
+            <a:fillRect/>
+          </a:stretch>
+        </p:blipFill>
+        <p:spPr>
+          <a:xfrm>
+            <a:off x="7350125" y="3013075"/>
+            <a:ext cx="4465638" cy="1793875"/>
+          </a:xfrm>
+          <a:prstGeom prst="rect">
+            <a:avLst/>
+          </a:prstGeom>
+        </p:spPr>
+      </p:pic>
+      <p:pic>
+        <p:nvPicPr>
+          <p:cNvPr id="9" name="Imagen 8" descr="Texto&#10;&#10;Descripción generada automáticamente">
+            <a:extLst>
+              <a:ext uri="{FF2B5EF4-FFF2-40B4-BE49-F238E27FC236}">
+                <a16:creationId xmlns:a16="http://schemas.microsoft.com/office/drawing/2014/main" id="{BE7E29D3-2683-4CAA-A834-0643C91CE3E4}"/>
+              </a:ext>
+            </a:extLst>
+          </p:cNvPr>
+          <p:cNvPicPr>
+            <a:picLocks noChangeAspect="1"/>
+          </p:cNvPicPr>
+          <p:nvPr/>
+        </p:nvPicPr>
+        <p:blipFill>
+          <a:blip r:embed="rId5">
+            <a:extLst>
+              <a:ext uri="{28A0092B-C50C-407E-A947-70E740481C1C}">
+                <a14:useLocalDpi xmlns:a14="http://schemas.microsoft.com/office/drawing/2010/main" val="0"/>
+              </a:ext>
+            </a:extLst>
+          </a:blip>
+          <a:stretch>
+            <a:fillRect/>
+          </a:stretch>
+        </p:blipFill>
+        <p:spPr>
+          <a:xfrm>
+            <a:off x="7350125" y="4884738"/>
+            <a:ext cx="4465638" cy="1117600"/>
+          </a:xfrm>
+          <a:prstGeom prst="rect">
+            <a:avLst/>
+          </a:prstGeom>
+        </p:spPr>
+      </p:pic>
+      <p:sp>
+        <p:nvSpPr>
+          <p:cNvPr id="2" name="Título 1">
+            <a:extLst>
+              <a:ext uri="{FF2B5EF4-FFF2-40B4-BE49-F238E27FC236}">
+                <a16:creationId xmlns:a16="http://schemas.microsoft.com/office/drawing/2014/main" id="{EA52B511-05D9-4A9B-A3F0-64568A195A19}"/>
+              </a:ext>
+            </a:extLst>
+          </p:cNvPr>
+          <p:cNvSpPr>
+            <a:spLocks noGrp="1"/>
+          </p:cNvSpPr>
+          <p:nvPr>
+            <p:ph type="ctrTitle"/>
+          </p:nvPr>
+        </p:nvSpPr>
+        <p:spPr>
+          <a:xfrm>
+            <a:off x="526073" y="466578"/>
+            <a:ext cx="11139854" cy="930447"/>
+          </a:xfrm>
+        </p:spPr>
+        <p:txBody>
+          <a:bodyPr>
+            <a:normAutofit/>
+          </a:bodyPr>
+          <a:lstStyle/>
+          <a:p>
+            <a:r>
+              <a:rPr lang="es-ES" sz="5400">
+                <a:solidFill>
+                  <a:srgbClr val="FFFFFF"/>
+                </a:solidFill>
+              </a:rPr>
+              <a:t>LocalData </a:t>
+            </a:r>
+            <a:endParaRPr lang="es-ES" sz="5400" dirty="0">
+              <a:solidFill>
+                <a:srgbClr val="FFFFFF"/>
+              </a:solidFill>
+            </a:endParaRPr>
+          </a:p>
+        </p:txBody>
+      </p:sp>
+      <p:sp>
+        <p:nvSpPr>
+          <p:cNvPr id="3" name="Subtítulo 2">
+            <a:extLst>
+              <a:ext uri="{FF2B5EF4-FFF2-40B4-BE49-F238E27FC236}">
+                <a16:creationId xmlns:a16="http://schemas.microsoft.com/office/drawing/2014/main" id="{436D2E1C-EADA-4241-99DF-85A69E61E18C}"/>
+              </a:ext>
+            </a:extLst>
+          </p:cNvPr>
+          <p:cNvSpPr>
+            <a:spLocks noGrp="1"/>
+          </p:cNvSpPr>
+          <p:nvPr>
+            <p:ph type="subTitle" idx="1"/>
+          </p:nvPr>
+        </p:nvSpPr>
+        <p:spPr>
+          <a:xfrm>
+            <a:off x="1524000" y="1525638"/>
+            <a:ext cx="9144000" cy="420001"/>
+          </a:xfrm>
+        </p:spPr>
+        <p:txBody>
+          <a:bodyPr>
+            <a:normAutofit/>
+          </a:bodyPr>
+          <a:lstStyle/>
+          <a:p>
+            <a:r>
+              <a:rPr lang="es-ES" sz="2000" dirty="0">
+                <a:solidFill>
+                  <a:srgbClr val="298DFA"/>
+                </a:solidFill>
+              </a:rPr>
+              <a:t>Permite guardar y cargar datos en LOCAL de manera rápida e intuitivita.</a:t>
+            </a:r>
+          </a:p>
+        </p:txBody>
+      </p:sp>
+      <p:sp>
+        <p:nvSpPr>
+          <p:cNvPr id="14" name="Subtítulo 2">
+            <a:extLst>
+              <a:ext uri="{FF2B5EF4-FFF2-40B4-BE49-F238E27FC236}">
+                <a16:creationId xmlns:a16="http://schemas.microsoft.com/office/drawing/2014/main" id="{AC55D229-F428-4761-B1C5-3D8F1340D405}"/>
               </a:ext>
             </a:extLst>
           </p:cNvPr>
@@ -3570,7 +4168,7 @@
         </p:nvSpPr>
         <p:spPr>
           <a:xfrm>
-            <a:off x="223420" y="2545788"/>
+            <a:off x="315729" y="2476940"/>
             <a:ext cx="3788142" cy="495886"/>
           </a:xfrm>
           <a:prstGeom prst="rect">
@@ -3755,10 +4353,10 @@
       </p:sp>
       <p:sp>
         <p:nvSpPr>
-          <p:cNvPr id="12" name="Subtítulo 2">
-            <a:extLst>
-              <a:ext uri="{FF2B5EF4-FFF2-40B4-BE49-F238E27FC236}">
-                <a16:creationId xmlns:a16="http://schemas.microsoft.com/office/drawing/2014/main" id="{8588F8FC-07D8-4EE1-AD4E-DAD414C5ADA7}"/>
+          <p:cNvPr id="15" name="Subtítulo 2">
+            <a:extLst>
+              <a:ext uri="{FF2B5EF4-FFF2-40B4-BE49-F238E27FC236}">
+                <a16:creationId xmlns:a16="http://schemas.microsoft.com/office/drawing/2014/main" id="{0E112C81-7426-4587-B093-798AD96DFADD}"/>
               </a:ext>
             </a:extLst>
           </p:cNvPr>
@@ -3769,7 +4367,7 @@
         </p:nvSpPr>
         <p:spPr>
           <a:xfrm>
-            <a:off x="6485206" y="2540105"/>
+            <a:off x="6577515" y="2471257"/>
             <a:ext cx="3788142" cy="495886"/>
           </a:xfrm>
           <a:prstGeom prst="rect">
@@ -3952,82 +4550,10 @@
           </a:p>
         </p:txBody>
       </p:sp>
-      <p:pic>
-        <p:nvPicPr>
-          <p:cNvPr id="14" name="Imagen 13" descr="Texto&#10;&#10;Descripción generada automáticamente">
-            <a:extLst>
-              <a:ext uri="{FF2B5EF4-FFF2-40B4-BE49-F238E27FC236}">
-                <a16:creationId xmlns:a16="http://schemas.microsoft.com/office/drawing/2014/main" id="{2E9F1D20-65BD-40C6-AD47-4396DBCB5C28}"/>
-              </a:ext>
-            </a:extLst>
-          </p:cNvPr>
-          <p:cNvPicPr>
-            <a:picLocks noChangeAspect="1"/>
-          </p:cNvPicPr>
-          <p:nvPr/>
-        </p:nvPicPr>
-        <p:blipFill>
-          <a:blip r:embed="rId4">
-            <a:extLst>
-              <a:ext uri="{28A0092B-C50C-407E-A947-70E740481C1C}">
-                <a14:useLocalDpi xmlns:a14="http://schemas.microsoft.com/office/drawing/2010/main" val="0"/>
-              </a:ext>
-            </a:extLst>
-          </a:blip>
-          <a:stretch>
-            <a:fillRect/>
-          </a:stretch>
-        </p:blipFill>
-        <p:spPr>
-          <a:xfrm>
-            <a:off x="7041513" y="4685052"/>
-            <a:ext cx="4344241" cy="1145495"/>
-          </a:xfrm>
-          <a:prstGeom prst="rect">
-            <a:avLst/>
-          </a:prstGeom>
-        </p:spPr>
-      </p:pic>
-      <p:pic>
-        <p:nvPicPr>
-          <p:cNvPr id="16" name="Imagen 15" descr="Texto&#10;&#10;Descripción generada automáticamente">
-            <a:extLst>
-              <a:ext uri="{FF2B5EF4-FFF2-40B4-BE49-F238E27FC236}">
-                <a16:creationId xmlns:a16="http://schemas.microsoft.com/office/drawing/2014/main" id="{3ED21DAE-A1E1-4634-AC9A-FB576C6C2B14}"/>
-              </a:ext>
-            </a:extLst>
-          </p:cNvPr>
-          <p:cNvPicPr>
-            <a:picLocks noChangeAspect="1"/>
-          </p:cNvPicPr>
-          <p:nvPr/>
-        </p:nvPicPr>
-        <p:blipFill>
-          <a:blip r:embed="rId5">
-            <a:extLst>
-              <a:ext uri="{28A0092B-C50C-407E-A947-70E740481C1C}">
-                <a14:useLocalDpi xmlns:a14="http://schemas.microsoft.com/office/drawing/2010/main" val="0"/>
-              </a:ext>
-            </a:extLst>
-          </a:blip>
-          <a:stretch>
-            <a:fillRect/>
-          </a:stretch>
-        </p:blipFill>
-        <p:spPr>
-          <a:xfrm>
-            <a:off x="693386" y="4565841"/>
-            <a:ext cx="3368748" cy="1383918"/>
-          </a:xfrm>
-          <a:prstGeom prst="rect">
-            <a:avLst/>
-          </a:prstGeom>
-        </p:spPr>
-      </p:pic>
     </p:spTree>
     <p:extLst>
       <p:ext uri="{BB962C8B-B14F-4D97-AF65-F5344CB8AC3E}">
-        <p14:creationId xmlns:p14="http://schemas.microsoft.com/office/powerpoint/2010/main" val="3629512059"/>
+        <p14:creationId xmlns:p14="http://schemas.microsoft.com/office/powerpoint/2010/main" val="3809354165"/>
       </p:ext>
     </p:extLst>
   </p:cSld>
@@ -4040,6 +4566,14 @@
 <file path=ppt/slides/slide3.xml><?xml version="1.0" encoding="utf-8"?>
 <p:sld xmlns:a="http://schemas.openxmlformats.org/drawingml/2006/main" xmlns:r="http://schemas.openxmlformats.org/officeDocument/2006/relationships" xmlns:p="http://schemas.openxmlformats.org/presentationml/2006/main">
   <p:cSld>
+    <p:bg>
+      <p:bgPr>
+        <a:solidFill>
+          <a:schemeClr val="bg1"/>
+        </a:solidFill>
+        <a:effectLst/>
+      </p:bgPr>
+    </p:bg>
     <p:spTree>
       <p:nvGrpSpPr>
         <p:cNvPr id="1" name=""/>
@@ -4056,80 +4590,399 @@
       </p:grpSpPr>
       <p:sp>
         <p:nvSpPr>
-          <p:cNvPr id="2" name="Título 1">
-            <a:extLst>
-              <a:ext uri="{FF2B5EF4-FFF2-40B4-BE49-F238E27FC236}">
-                <a16:creationId xmlns:a16="http://schemas.microsoft.com/office/drawing/2014/main" id="{EA52B511-05D9-4A9B-A3F0-64568A195A19}"/>
-              </a:ext>
-            </a:extLst>
-          </p:cNvPr>
-          <p:cNvSpPr>
-            <a:spLocks noGrp="1"/>
-          </p:cNvSpPr>
-          <p:nvPr>
-            <p:ph type="ctrTitle"/>
-          </p:nvPr>
-        </p:nvSpPr>
+          <p:cNvPr id="17" name="Rectangle 16">
+            <a:extLst>
+              <a:ext uri="{FF2B5EF4-FFF2-40B4-BE49-F238E27FC236}">
+                <a16:creationId xmlns:a16="http://schemas.microsoft.com/office/drawing/2014/main" id="{823AC064-BC96-4F32-8AE1-B2FD38754823}"/>
+              </a:ext>
+              <a:ext uri="{C183D7F6-B498-43B3-948B-1728B52AA6E4}">
+                <adec:decorative xmlns:adec="http://schemas.microsoft.com/office/drawing/2017/decorative" val="1"/>
+              </a:ext>
+            </a:extLst>
+          </p:cNvPr>
+          <p:cNvSpPr>
+            <a:spLocks noGrp="1" noRot="1" noChangeAspect="1" noMove="1" noResize="1" noEditPoints="1" noAdjustHandles="1" noChangeArrowheads="1" noChangeShapeType="1" noTextEdit="1"/>
+          </p:cNvSpPr>
+          <p:nvPr>
+            <p:extLst>
+              <p:ext uri="{386F3935-93C4-4BCD-93E2-E3B085C9AB24}">
+                <p16:designElem xmlns:p16="http://schemas.microsoft.com/office/powerpoint/2015/main" val="1"/>
+              </p:ext>
+            </p:extLst>
+          </p:nvPr>
+        </p:nvSpPr>
+        <p:spPr bwMode="ltGray">
+          <a:xfrm>
+            <a:off x="378068" y="343486"/>
+            <a:ext cx="11438793" cy="1844256"/>
+          </a:xfrm>
+          <a:prstGeom prst="rect">
+            <a:avLst/>
+          </a:prstGeom>
+          <a:solidFill>
+            <a:srgbClr val="404040"/>
+          </a:solidFill>
+          <a:ln w="127000" cap="sq" cmpd="thinThick">
+            <a:solidFill>
+              <a:srgbClr val="404040"/>
+            </a:solidFill>
+          </a:ln>
+        </p:spPr>
+        <p:style>
+          <a:lnRef idx="2">
+            <a:schemeClr val="accent1">
+              <a:shade val="50000"/>
+            </a:schemeClr>
+          </a:lnRef>
+          <a:fillRef idx="1">
+            <a:schemeClr val="accent1"/>
+          </a:fillRef>
+          <a:effectRef idx="0">
+            <a:schemeClr val="accent1"/>
+          </a:effectRef>
+          <a:fontRef idx="minor">
+            <a:schemeClr val="lt1"/>
+          </a:fontRef>
+        </p:style>
+        <p:txBody>
+          <a:bodyPr rtlCol="0" anchor="ctr"/>
+          <a:lstStyle/>
+          <a:p>
+            <a:pPr marL="0" marR="0" lvl="0" indent="0" algn="ctr" defTabSz="914400" rtl="0" eaLnBrk="1" fontAlgn="auto" latinLnBrk="0" hangingPunct="1">
+              <a:lnSpc>
+                <a:spcPct val="100000"/>
+              </a:lnSpc>
+              <a:spcBef>
+                <a:spcPts val="0"/>
+              </a:spcBef>
+              <a:spcAft>
+                <a:spcPts val="0"/>
+              </a:spcAft>
+              <a:buClrTx/>
+              <a:buSzTx/>
+              <a:buFontTx/>
+              <a:buNone/>
+              <a:tabLst/>
+              <a:defRPr/>
+            </a:pPr>
+            <a:endParaRPr kumimoji="0" lang="en-US" sz="1800" b="0" i="0" u="none" strike="noStrike" kern="1200" cap="none" spc="0" normalizeH="0" baseline="0" noProof="0">
+              <a:ln>
+                <a:noFill/>
+              </a:ln>
+              <a:solidFill>
+                <a:prstClr val="white"/>
+              </a:solidFill>
+              <a:effectLst/>
+              <a:uLnTx/>
+              <a:uFillTx/>
+              <a:latin typeface="Calibri" panose="020F0502020204030204"/>
+              <a:ea typeface="+mn-ea"/>
+              <a:cs typeface="+mn-cs"/>
+            </a:endParaRPr>
+          </a:p>
+        </p:txBody>
+      </p:sp>
+      <p:cxnSp>
+        <p:nvCxnSpPr>
+          <p:cNvPr id="19" name="Straight Connector 18">
+            <a:extLst>
+              <a:ext uri="{FF2B5EF4-FFF2-40B4-BE49-F238E27FC236}">
+                <a16:creationId xmlns:a16="http://schemas.microsoft.com/office/drawing/2014/main" id="{7E7C77BC-7138-40B1-A15B-20F57A494629}"/>
+              </a:ext>
+              <a:ext uri="{C183D7F6-B498-43B3-948B-1728B52AA6E4}">
+                <adec:decorative xmlns:adec="http://schemas.microsoft.com/office/drawing/2017/decorative" val="1"/>
+              </a:ext>
+            </a:extLst>
+          </p:cNvPr>
+          <p:cNvCxnSpPr>
+            <a:cxnSpLocks noGrp="1" noRot="1" noChangeAspect="1" noMove="1" noResize="1" noEditPoints="1" noAdjustHandles="1" noChangeArrowheads="1" noChangeShapeType="1"/>
+          </p:cNvCxnSpPr>
+          <p:nvPr>
+            <p:extLst>
+              <p:ext uri="{386F3935-93C4-4BCD-93E2-E3B085C9AB24}">
+                <p16:designElem xmlns:p16="http://schemas.microsoft.com/office/powerpoint/2015/main" val="1"/>
+              </p:ext>
+            </p:extLst>
+          </p:nvPr>
+        </p:nvCxnSpPr>
         <p:spPr>
           <a:xfrm>
-            <a:off x="1524000" y="654612"/>
-            <a:ext cx="9144000" cy="945588"/>
-          </a:xfrm>
-        </p:spPr>
-        <p:txBody>
-          <a:bodyPr/>
-          <a:lstStyle/>
-          <a:p>
-            <a:r>
-              <a:rPr lang="es-ES" dirty="0" err="1"/>
-              <a:t>CloudData</a:t>
-            </a:r>
-            <a:r>
-              <a:rPr lang="es-ES" dirty="0"/>
-              <a:t> </a:t>
-            </a:r>
-          </a:p>
-        </p:txBody>
-      </p:sp>
-      <p:sp>
-        <p:nvSpPr>
-          <p:cNvPr id="3" name="Subtítulo 2">
-            <a:extLst>
-              <a:ext uri="{FF2B5EF4-FFF2-40B4-BE49-F238E27FC236}">
-                <a16:creationId xmlns:a16="http://schemas.microsoft.com/office/drawing/2014/main" id="{436D2E1C-EADA-4241-99DF-85A69E61E18C}"/>
-              </a:ext>
-            </a:extLst>
-          </p:cNvPr>
-          <p:cNvSpPr>
-            <a:spLocks noGrp="1"/>
-          </p:cNvSpPr>
-          <p:nvPr>
-            <p:ph type="subTitle" idx="1"/>
-          </p:nvPr>
-        </p:nvSpPr>
+            <a:off x="2209800" y="1448631"/>
+            <a:ext cx="7772400" cy="0"/>
+          </a:xfrm>
+          <a:prstGeom prst="line">
+            <a:avLst/>
+          </a:prstGeom>
+          <a:ln w="22225">
+            <a:solidFill>
+              <a:srgbClr val="D9D9D9"/>
+            </a:solidFill>
+          </a:ln>
+        </p:spPr>
+        <p:style>
+          <a:lnRef idx="1">
+            <a:schemeClr val="accent1"/>
+          </a:lnRef>
+          <a:fillRef idx="0">
+            <a:schemeClr val="accent1"/>
+          </a:fillRef>
+          <a:effectRef idx="0">
+            <a:schemeClr val="accent1"/>
+          </a:effectRef>
+          <a:fontRef idx="minor">
+            <a:schemeClr val="tx1"/>
+          </a:fontRef>
+        </p:style>
+      </p:cxnSp>
+      <p:pic>
+        <p:nvPicPr>
+          <p:cNvPr id="7" name="Imagen 6" descr="Una captura de pantalla de un celular&#10;&#10;Descripción generada automáticamente con confianza media">
+            <a:extLst>
+              <a:ext uri="{FF2B5EF4-FFF2-40B4-BE49-F238E27FC236}">
+                <a16:creationId xmlns:a16="http://schemas.microsoft.com/office/drawing/2014/main" id="{A3ABBDFE-42D9-4929-AB46-EC85A916352C}"/>
+              </a:ext>
+            </a:extLst>
+          </p:cNvPr>
+          <p:cNvPicPr>
+            <a:picLocks noChangeAspect="1"/>
+          </p:cNvPicPr>
+          <p:nvPr/>
+        </p:nvPicPr>
+        <p:blipFill>
+          <a:blip r:embed="rId2">
+            <a:extLst>
+              <a:ext uri="{28A0092B-C50C-407E-A947-70E740481C1C}">
+                <a14:useLocalDpi xmlns:a14="http://schemas.microsoft.com/office/drawing/2010/main" val="0"/>
+              </a:ext>
+            </a:extLst>
+          </a:blip>
+          <a:stretch>
+            <a:fillRect/>
+          </a:stretch>
+        </p:blipFill>
         <p:spPr>
           <a:xfrm>
-            <a:off x="1055077" y="1600200"/>
-            <a:ext cx="10860258" cy="495886"/>
-          </a:xfrm>
-        </p:spPr>
-        <p:txBody>
-          <a:bodyPr/>
-          <a:lstStyle/>
-          <a:p>
-            <a:r>
-              <a:rPr lang="es-ES" dirty="0"/>
-              <a:t>Permite guardar y cargar datos en CLOUD de manera rápida e intuitivita.</a:t>
-            </a:r>
-          </a:p>
-        </p:txBody>
-      </p:sp>
-      <p:sp>
-        <p:nvSpPr>
-          <p:cNvPr id="11" name="Subtítulo 2">
-            <a:extLst>
-              <a:ext uri="{FF2B5EF4-FFF2-40B4-BE49-F238E27FC236}">
-                <a16:creationId xmlns:a16="http://schemas.microsoft.com/office/drawing/2014/main" id="{9A583DE2-F7FA-4E12-A2B0-7C094D33C1BA}"/>
+            <a:off x="319088" y="3013075"/>
+            <a:ext cx="6953250" cy="1301750"/>
+          </a:xfrm>
+          <a:prstGeom prst="rect">
+            <a:avLst/>
+          </a:prstGeom>
+        </p:spPr>
+      </p:pic>
+      <p:pic>
+        <p:nvPicPr>
+          <p:cNvPr id="8" name="Imagen 7" descr="Texto&#10;&#10;Descripción generada automáticamente">
+            <a:extLst>
+              <a:ext uri="{FF2B5EF4-FFF2-40B4-BE49-F238E27FC236}">
+                <a16:creationId xmlns:a16="http://schemas.microsoft.com/office/drawing/2014/main" id="{A8A98903-66D3-42E4-9E17-26F43146A39C}"/>
+              </a:ext>
+            </a:extLst>
+          </p:cNvPr>
+          <p:cNvPicPr>
+            <a:picLocks noChangeAspect="1"/>
+          </p:cNvPicPr>
+          <p:nvPr/>
+        </p:nvPicPr>
+        <p:blipFill>
+          <a:blip r:embed="rId3">
+            <a:extLst>
+              <a:ext uri="{28A0092B-C50C-407E-A947-70E740481C1C}">
+                <a14:useLocalDpi xmlns:a14="http://schemas.microsoft.com/office/drawing/2010/main" val="0"/>
+              </a:ext>
+            </a:extLst>
+          </a:blip>
+          <a:stretch>
+            <a:fillRect/>
+          </a:stretch>
+        </p:blipFill>
+        <p:spPr>
+          <a:xfrm>
+            <a:off x="319088" y="4394200"/>
+            <a:ext cx="6953250" cy="1609725"/>
+          </a:xfrm>
+          <a:prstGeom prst="rect">
+            <a:avLst/>
+          </a:prstGeom>
+        </p:spPr>
+      </p:pic>
+      <p:pic>
+        <p:nvPicPr>
+          <p:cNvPr id="11" name="Imagen 10" descr="Texto&#10;&#10;Descripción generada automáticamente">
+            <a:extLst>
+              <a:ext uri="{FF2B5EF4-FFF2-40B4-BE49-F238E27FC236}">
+                <a16:creationId xmlns:a16="http://schemas.microsoft.com/office/drawing/2014/main" id="{59BD1831-BC1B-4E5F-82FC-599459A3AB2B}"/>
+              </a:ext>
+            </a:extLst>
+          </p:cNvPr>
+          <p:cNvPicPr>
+            <a:picLocks noChangeAspect="1"/>
+          </p:cNvPicPr>
+          <p:nvPr/>
+        </p:nvPicPr>
+        <p:blipFill>
+          <a:blip r:embed="rId4">
+            <a:extLst>
+              <a:ext uri="{28A0092B-C50C-407E-A947-70E740481C1C}">
+                <a14:useLocalDpi xmlns:a14="http://schemas.microsoft.com/office/drawing/2010/main" val="0"/>
+              </a:ext>
+            </a:extLst>
+          </a:blip>
+          <a:stretch>
+            <a:fillRect/>
+          </a:stretch>
+        </p:blipFill>
+        <p:spPr>
+          <a:xfrm>
+            <a:off x="7350125" y="3013075"/>
+            <a:ext cx="4465638" cy="1793875"/>
+          </a:xfrm>
+          <a:prstGeom prst="rect">
+            <a:avLst/>
+          </a:prstGeom>
+        </p:spPr>
+      </p:pic>
+      <p:pic>
+        <p:nvPicPr>
+          <p:cNvPr id="9" name="Imagen 8" descr="Texto&#10;&#10;Descripción generada automáticamente">
+            <a:extLst>
+              <a:ext uri="{FF2B5EF4-FFF2-40B4-BE49-F238E27FC236}">
+                <a16:creationId xmlns:a16="http://schemas.microsoft.com/office/drawing/2014/main" id="{BE7E29D3-2683-4CAA-A834-0643C91CE3E4}"/>
+              </a:ext>
+            </a:extLst>
+          </p:cNvPr>
+          <p:cNvPicPr>
+            <a:picLocks noChangeAspect="1"/>
+          </p:cNvPicPr>
+          <p:nvPr/>
+        </p:nvPicPr>
+        <p:blipFill>
+          <a:blip r:embed="rId5">
+            <a:extLst>
+              <a:ext uri="{28A0092B-C50C-407E-A947-70E740481C1C}">
+                <a14:useLocalDpi xmlns:a14="http://schemas.microsoft.com/office/drawing/2010/main" val="0"/>
+              </a:ext>
+            </a:extLst>
+          </a:blip>
+          <a:stretch>
+            <a:fillRect/>
+          </a:stretch>
+        </p:blipFill>
+        <p:spPr>
+          <a:xfrm>
+            <a:off x="7350125" y="4884738"/>
+            <a:ext cx="4465638" cy="1117600"/>
+          </a:xfrm>
+          <a:prstGeom prst="rect">
+            <a:avLst/>
+          </a:prstGeom>
+        </p:spPr>
+      </p:pic>
+      <p:sp>
+        <p:nvSpPr>
+          <p:cNvPr id="2" name="Título 1">
+            <a:extLst>
+              <a:ext uri="{FF2B5EF4-FFF2-40B4-BE49-F238E27FC236}">
+                <a16:creationId xmlns:a16="http://schemas.microsoft.com/office/drawing/2014/main" id="{EA52B511-05D9-4A9B-A3F0-64568A195A19}"/>
+              </a:ext>
+            </a:extLst>
+          </p:cNvPr>
+          <p:cNvSpPr>
+            <a:spLocks noGrp="1"/>
+          </p:cNvSpPr>
+          <p:nvPr>
+            <p:ph type="ctrTitle"/>
+          </p:nvPr>
+        </p:nvSpPr>
+        <p:spPr>
+          <a:xfrm>
+            <a:off x="526073" y="466578"/>
+            <a:ext cx="11139854" cy="930447"/>
+          </a:xfrm>
+        </p:spPr>
+        <p:txBody>
+          <a:bodyPr>
+            <a:normAutofit/>
+          </a:bodyPr>
+          <a:lstStyle/>
+          <a:p>
+            <a:r>
+              <a:rPr lang="es-ES" sz="5400" dirty="0" err="1">
+                <a:solidFill>
+                  <a:srgbClr val="FFFFFF"/>
+                </a:solidFill>
+              </a:rPr>
+              <a:t>LocalData</a:t>
+            </a:r>
+            <a:r>
+              <a:rPr lang="es-ES" sz="5400" dirty="0">
+                <a:solidFill>
+                  <a:srgbClr val="FFFFFF"/>
+                </a:solidFill>
+              </a:rPr>
+              <a:t> &amp; </a:t>
+            </a:r>
+            <a:r>
+              <a:rPr lang="es-ES" sz="5400" dirty="0" err="1">
+                <a:solidFill>
+                  <a:srgbClr val="FFFFFF"/>
+                </a:solidFill>
+              </a:rPr>
+              <a:t>CloudData</a:t>
+            </a:r>
+            <a:endParaRPr lang="es-ES" sz="5400" dirty="0">
+              <a:solidFill>
+                <a:srgbClr val="FFFFFF"/>
+              </a:solidFill>
+            </a:endParaRPr>
+          </a:p>
+        </p:txBody>
+      </p:sp>
+      <p:sp>
+        <p:nvSpPr>
+          <p:cNvPr id="3" name="Subtítulo 2">
+            <a:extLst>
+              <a:ext uri="{FF2B5EF4-FFF2-40B4-BE49-F238E27FC236}">
+                <a16:creationId xmlns:a16="http://schemas.microsoft.com/office/drawing/2014/main" id="{436D2E1C-EADA-4241-99DF-85A69E61E18C}"/>
+              </a:ext>
+            </a:extLst>
+          </p:cNvPr>
+          <p:cNvSpPr>
+            <a:spLocks noGrp="1"/>
+          </p:cNvSpPr>
+          <p:nvPr>
+            <p:ph type="subTitle" idx="1"/>
+          </p:nvPr>
+        </p:nvSpPr>
+        <p:spPr>
+          <a:xfrm>
+            <a:off x="1524000" y="1525638"/>
+            <a:ext cx="9144000" cy="420001"/>
+          </a:xfrm>
+        </p:spPr>
+        <p:txBody>
+          <a:bodyPr>
+            <a:normAutofit/>
+          </a:bodyPr>
+          <a:lstStyle/>
+          <a:p>
+            <a:r>
+              <a:rPr lang="es-ES" sz="2000" dirty="0">
+                <a:solidFill>
+                  <a:srgbClr val="298DFA"/>
+                </a:solidFill>
+              </a:rPr>
+              <a:t>Permite guardar y cargar datos en LOCAL y en la NUBE de manera rápida e intuitivita.</a:t>
+            </a:r>
+          </a:p>
+        </p:txBody>
+      </p:sp>
+      <p:sp>
+        <p:nvSpPr>
+          <p:cNvPr id="14" name="Subtítulo 2">
+            <a:extLst>
+              <a:ext uri="{FF2B5EF4-FFF2-40B4-BE49-F238E27FC236}">
+                <a16:creationId xmlns:a16="http://schemas.microsoft.com/office/drawing/2014/main" id="{AC55D229-F428-4761-B1C5-3D8F1340D405}"/>
               </a:ext>
             </a:extLst>
           </p:cNvPr>
@@ -4140,7 +4993,7 @@
         </p:nvSpPr>
         <p:spPr>
           <a:xfrm>
-            <a:off x="223420" y="2545788"/>
+            <a:off x="315729" y="2476940"/>
             <a:ext cx="3788142" cy="495886"/>
           </a:xfrm>
           <a:prstGeom prst="rect">
@@ -4318,17 +5171,17 @@
           <a:p>
             <a:r>
               <a:rPr lang="es-ES" dirty="0"/>
-              <a:t>Guardar</a:t>
-            </a:r>
-          </a:p>
-        </p:txBody>
-      </p:sp>
-      <p:sp>
-        <p:nvSpPr>
-          <p:cNvPr id="12" name="Subtítulo 2">
-            <a:extLst>
-              <a:ext uri="{FF2B5EF4-FFF2-40B4-BE49-F238E27FC236}">
-                <a16:creationId xmlns:a16="http://schemas.microsoft.com/office/drawing/2014/main" id="{8588F8FC-07D8-4EE1-AD4E-DAD414C5ADA7}"/>
+              <a:t>Variables Complejas</a:t>
+            </a:r>
+          </a:p>
+        </p:txBody>
+      </p:sp>
+      <p:sp>
+        <p:nvSpPr>
+          <p:cNvPr id="15" name="Subtítulo 2">
+            <a:extLst>
+              <a:ext uri="{FF2B5EF4-FFF2-40B4-BE49-F238E27FC236}">
+                <a16:creationId xmlns:a16="http://schemas.microsoft.com/office/drawing/2014/main" id="{0E112C81-7426-4587-B093-798AD96DFADD}"/>
               </a:ext>
             </a:extLst>
           </p:cNvPr>
@@ -4339,7 +5192,7 @@
         </p:nvSpPr>
         <p:spPr>
           <a:xfrm>
-            <a:off x="6485206" y="2540105"/>
+            <a:off x="6577515" y="2471257"/>
             <a:ext cx="3788142" cy="495886"/>
           </a:xfrm>
           <a:prstGeom prst="rect">
@@ -4517,453 +5370,7 @@
           <a:p>
             <a:r>
               <a:rPr lang="es-ES" dirty="0"/>
-              <a:t>Cargar</a:t>
-            </a:r>
-          </a:p>
-        </p:txBody>
-      </p:sp>
-      <p:sp>
-        <p:nvSpPr>
-          <p:cNvPr id="13" name="Subtítulo 2">
-            <a:extLst>
-              <a:ext uri="{FF2B5EF4-FFF2-40B4-BE49-F238E27FC236}">
-                <a16:creationId xmlns:a16="http://schemas.microsoft.com/office/drawing/2014/main" id="{431726B5-E2F0-43CC-8485-433F6C6A8D12}"/>
-              </a:ext>
-            </a:extLst>
-          </p:cNvPr>
-          <p:cNvSpPr txBox="1">
-            <a:spLocks/>
-          </p:cNvSpPr>
-          <p:nvPr/>
-        </p:nvSpPr>
-        <p:spPr>
-          <a:xfrm>
-            <a:off x="474142" y="3206991"/>
-            <a:ext cx="5089299" cy="444017"/>
-          </a:xfrm>
-          <a:prstGeom prst="rect">
-            <a:avLst/>
-          </a:prstGeom>
-        </p:spPr>
-        <p:txBody>
-          <a:bodyPr vert="horz" lIns="91440" tIns="45720" rIns="91440" bIns="45720" rtlCol="0">
-            <a:normAutofit fontScale="70000" lnSpcReduction="20000"/>
-          </a:bodyPr>
-          <a:lstStyle>
-            <a:lvl1pPr marL="0" indent="0" algn="ctr" defTabSz="914400" rtl="0" eaLnBrk="1" latinLnBrk="0" hangingPunct="1">
-              <a:lnSpc>
-                <a:spcPct val="90000"/>
-              </a:lnSpc>
-              <a:spcBef>
-                <a:spcPts val="1000"/>
-              </a:spcBef>
-              <a:buFont typeface="Arial" panose="020B0604020202020204" pitchFamily="34" charset="0"/>
-              <a:buNone/>
-              <a:defRPr sz="2400" kern="1200">
-                <a:solidFill>
-                  <a:schemeClr val="tx1"/>
-                </a:solidFill>
-                <a:latin typeface="+mn-lt"/>
-                <a:ea typeface="+mn-ea"/>
-                <a:cs typeface="+mn-cs"/>
-              </a:defRPr>
-            </a:lvl1pPr>
-            <a:lvl2pPr marL="457200" indent="0" algn="ctr" defTabSz="914400" rtl="0" eaLnBrk="1" latinLnBrk="0" hangingPunct="1">
-              <a:lnSpc>
-                <a:spcPct val="90000"/>
-              </a:lnSpc>
-              <a:spcBef>
-                <a:spcPts val="500"/>
-              </a:spcBef>
-              <a:buFont typeface="Arial" panose="020B0604020202020204" pitchFamily="34" charset="0"/>
-              <a:buNone/>
-              <a:defRPr sz="2000" kern="1200">
-                <a:solidFill>
-                  <a:schemeClr val="tx1"/>
-                </a:solidFill>
-                <a:latin typeface="+mn-lt"/>
-                <a:ea typeface="+mn-ea"/>
-                <a:cs typeface="+mn-cs"/>
-              </a:defRPr>
-            </a:lvl2pPr>
-            <a:lvl3pPr marL="914400" indent="0" algn="ctr" defTabSz="914400" rtl="0" eaLnBrk="1" latinLnBrk="0" hangingPunct="1">
-              <a:lnSpc>
-                <a:spcPct val="90000"/>
-              </a:lnSpc>
-              <a:spcBef>
-                <a:spcPts val="500"/>
-              </a:spcBef>
-              <a:buFont typeface="Arial" panose="020B0604020202020204" pitchFamily="34" charset="0"/>
-              <a:buNone/>
-              <a:defRPr sz="1800" kern="1200">
-                <a:solidFill>
-                  <a:schemeClr val="tx1"/>
-                </a:solidFill>
-                <a:latin typeface="+mn-lt"/>
-                <a:ea typeface="+mn-ea"/>
-                <a:cs typeface="+mn-cs"/>
-              </a:defRPr>
-            </a:lvl3pPr>
-            <a:lvl4pPr marL="1371600" indent="0" algn="ctr" defTabSz="914400" rtl="0" eaLnBrk="1" latinLnBrk="0" hangingPunct="1">
-              <a:lnSpc>
-                <a:spcPct val="90000"/>
-              </a:lnSpc>
-              <a:spcBef>
-                <a:spcPts val="500"/>
-              </a:spcBef>
-              <a:buFont typeface="Arial" panose="020B0604020202020204" pitchFamily="34" charset="0"/>
-              <a:buNone/>
-              <a:defRPr sz="1600" kern="1200">
-                <a:solidFill>
-                  <a:schemeClr val="tx1"/>
-                </a:solidFill>
-                <a:latin typeface="+mn-lt"/>
-                <a:ea typeface="+mn-ea"/>
-                <a:cs typeface="+mn-cs"/>
-              </a:defRPr>
-            </a:lvl4pPr>
-            <a:lvl5pPr marL="1828800" indent="0" algn="ctr" defTabSz="914400" rtl="0" eaLnBrk="1" latinLnBrk="0" hangingPunct="1">
-              <a:lnSpc>
-                <a:spcPct val="90000"/>
-              </a:lnSpc>
-              <a:spcBef>
-                <a:spcPts val="500"/>
-              </a:spcBef>
-              <a:buFont typeface="Arial" panose="020B0604020202020204" pitchFamily="34" charset="0"/>
-              <a:buNone/>
-              <a:defRPr sz="1600" kern="1200">
-                <a:solidFill>
-                  <a:schemeClr val="tx1"/>
-                </a:solidFill>
-                <a:latin typeface="+mn-lt"/>
-                <a:ea typeface="+mn-ea"/>
-                <a:cs typeface="+mn-cs"/>
-              </a:defRPr>
-            </a:lvl5pPr>
-            <a:lvl6pPr marL="2286000" indent="0" algn="ctr" defTabSz="914400" rtl="0" eaLnBrk="1" latinLnBrk="0" hangingPunct="1">
-              <a:lnSpc>
-                <a:spcPct val="90000"/>
-              </a:lnSpc>
-              <a:spcBef>
-                <a:spcPts val="500"/>
-              </a:spcBef>
-              <a:buFont typeface="Arial" panose="020B0604020202020204" pitchFamily="34" charset="0"/>
-              <a:buNone/>
-              <a:defRPr sz="1600" kern="1200">
-                <a:solidFill>
-                  <a:schemeClr val="tx1"/>
-                </a:solidFill>
-                <a:latin typeface="+mn-lt"/>
-                <a:ea typeface="+mn-ea"/>
-                <a:cs typeface="+mn-cs"/>
-              </a:defRPr>
-            </a:lvl6pPr>
-            <a:lvl7pPr marL="2743200" indent="0" algn="ctr" defTabSz="914400" rtl="0" eaLnBrk="1" latinLnBrk="0" hangingPunct="1">
-              <a:lnSpc>
-                <a:spcPct val="90000"/>
-              </a:lnSpc>
-              <a:spcBef>
-                <a:spcPts val="500"/>
-              </a:spcBef>
-              <a:buFont typeface="Arial" panose="020B0604020202020204" pitchFamily="34" charset="0"/>
-              <a:buNone/>
-              <a:defRPr sz="1600" kern="1200">
-                <a:solidFill>
-                  <a:schemeClr val="tx1"/>
-                </a:solidFill>
-                <a:latin typeface="+mn-lt"/>
-                <a:ea typeface="+mn-ea"/>
-                <a:cs typeface="+mn-cs"/>
-              </a:defRPr>
-            </a:lvl7pPr>
-            <a:lvl8pPr marL="3200400" indent="0" algn="ctr" defTabSz="914400" rtl="0" eaLnBrk="1" latinLnBrk="0" hangingPunct="1">
-              <a:lnSpc>
-                <a:spcPct val="90000"/>
-              </a:lnSpc>
-              <a:spcBef>
-                <a:spcPts val="500"/>
-              </a:spcBef>
-              <a:buFont typeface="Arial" panose="020B0604020202020204" pitchFamily="34" charset="0"/>
-              <a:buNone/>
-              <a:defRPr sz="1600" kern="1200">
-                <a:solidFill>
-                  <a:schemeClr val="tx1"/>
-                </a:solidFill>
-                <a:latin typeface="+mn-lt"/>
-                <a:ea typeface="+mn-ea"/>
-                <a:cs typeface="+mn-cs"/>
-              </a:defRPr>
-            </a:lvl8pPr>
-            <a:lvl9pPr marL="3657600" indent="0" algn="ctr" defTabSz="914400" rtl="0" eaLnBrk="1" latinLnBrk="0" hangingPunct="1">
-              <a:lnSpc>
-                <a:spcPct val="90000"/>
-              </a:lnSpc>
-              <a:spcBef>
-                <a:spcPts val="500"/>
-              </a:spcBef>
-              <a:buFont typeface="Arial" panose="020B0604020202020204" pitchFamily="34" charset="0"/>
-              <a:buNone/>
-              <a:defRPr sz="1600" kern="1200">
-                <a:solidFill>
-                  <a:schemeClr val="tx1"/>
-                </a:solidFill>
-                <a:latin typeface="+mn-lt"/>
-                <a:ea typeface="+mn-ea"/>
-                <a:cs typeface="+mn-cs"/>
-              </a:defRPr>
-            </a:lvl9pPr>
-          </a:lstStyle>
-          <a:p>
-            <a:r>
-              <a:rPr lang="es-ES" b="1" dirty="0" err="1"/>
-              <a:t>CloudData.Save</a:t>
-            </a:r>
-            <a:r>
-              <a:rPr lang="es-ES" b="1" dirty="0"/>
-              <a:t>(“</a:t>
-            </a:r>
-            <a:r>
-              <a:rPr lang="es-ES" b="1" dirty="0" err="1"/>
-              <a:t>HolaVar</a:t>
-            </a:r>
-            <a:r>
-              <a:rPr lang="es-ES" b="1" dirty="0"/>
-              <a:t>”, hola, </a:t>
-            </a:r>
-            <a:r>
-              <a:rPr lang="es-ES" b="1" dirty="0" err="1"/>
-              <a:t>Cloud.DropBox</a:t>
-            </a:r>
-            <a:r>
-              <a:rPr lang="es-ES" b="1" dirty="0"/>
-              <a:t>);</a:t>
-            </a:r>
-          </a:p>
-        </p:txBody>
-      </p:sp>
-      <p:sp>
-        <p:nvSpPr>
-          <p:cNvPr id="15" name="Subtítulo 2">
-            <a:extLst>
-              <a:ext uri="{FF2B5EF4-FFF2-40B4-BE49-F238E27FC236}">
-                <a16:creationId xmlns:a16="http://schemas.microsoft.com/office/drawing/2014/main" id="{5C0213E2-64C7-4808-82EA-883E35429D6B}"/>
-              </a:ext>
-            </a:extLst>
-          </p:cNvPr>
-          <p:cNvSpPr txBox="1">
-            <a:spLocks/>
-          </p:cNvSpPr>
-          <p:nvPr/>
-        </p:nvSpPr>
-        <p:spPr>
-          <a:xfrm>
-            <a:off x="5563442" y="3206990"/>
-            <a:ext cx="6154416" cy="444017"/>
-          </a:xfrm>
-          <a:prstGeom prst="rect">
-            <a:avLst/>
-          </a:prstGeom>
-        </p:spPr>
-        <p:txBody>
-          <a:bodyPr vert="horz" lIns="91440" tIns="45720" rIns="91440" bIns="45720" rtlCol="0">
-            <a:normAutofit fontScale="70000" lnSpcReduction="20000"/>
-          </a:bodyPr>
-          <a:lstStyle>
-            <a:lvl1pPr marL="0" indent="0" algn="ctr" defTabSz="914400" rtl="0" eaLnBrk="1" latinLnBrk="0" hangingPunct="1">
-              <a:lnSpc>
-                <a:spcPct val="90000"/>
-              </a:lnSpc>
-              <a:spcBef>
-                <a:spcPts val="1000"/>
-              </a:spcBef>
-              <a:buFont typeface="Arial" panose="020B0604020202020204" pitchFamily="34" charset="0"/>
-              <a:buNone/>
-              <a:defRPr sz="2400" kern="1200">
-                <a:solidFill>
-                  <a:schemeClr val="tx1"/>
-                </a:solidFill>
-                <a:latin typeface="+mn-lt"/>
-                <a:ea typeface="+mn-ea"/>
-                <a:cs typeface="+mn-cs"/>
-              </a:defRPr>
-            </a:lvl1pPr>
-            <a:lvl2pPr marL="457200" indent="0" algn="ctr" defTabSz="914400" rtl="0" eaLnBrk="1" latinLnBrk="0" hangingPunct="1">
-              <a:lnSpc>
-                <a:spcPct val="90000"/>
-              </a:lnSpc>
-              <a:spcBef>
-                <a:spcPts val="500"/>
-              </a:spcBef>
-              <a:buFont typeface="Arial" panose="020B0604020202020204" pitchFamily="34" charset="0"/>
-              <a:buNone/>
-              <a:defRPr sz="2000" kern="1200">
-                <a:solidFill>
-                  <a:schemeClr val="tx1"/>
-                </a:solidFill>
-                <a:latin typeface="+mn-lt"/>
-                <a:ea typeface="+mn-ea"/>
-                <a:cs typeface="+mn-cs"/>
-              </a:defRPr>
-            </a:lvl2pPr>
-            <a:lvl3pPr marL="914400" indent="0" algn="ctr" defTabSz="914400" rtl="0" eaLnBrk="1" latinLnBrk="0" hangingPunct="1">
-              <a:lnSpc>
-                <a:spcPct val="90000"/>
-              </a:lnSpc>
-              <a:spcBef>
-                <a:spcPts val="500"/>
-              </a:spcBef>
-              <a:buFont typeface="Arial" panose="020B0604020202020204" pitchFamily="34" charset="0"/>
-              <a:buNone/>
-              <a:defRPr sz="1800" kern="1200">
-                <a:solidFill>
-                  <a:schemeClr val="tx1"/>
-                </a:solidFill>
-                <a:latin typeface="+mn-lt"/>
-                <a:ea typeface="+mn-ea"/>
-                <a:cs typeface="+mn-cs"/>
-              </a:defRPr>
-            </a:lvl3pPr>
-            <a:lvl4pPr marL="1371600" indent="0" algn="ctr" defTabSz="914400" rtl="0" eaLnBrk="1" latinLnBrk="0" hangingPunct="1">
-              <a:lnSpc>
-                <a:spcPct val="90000"/>
-              </a:lnSpc>
-              <a:spcBef>
-                <a:spcPts val="500"/>
-              </a:spcBef>
-              <a:buFont typeface="Arial" panose="020B0604020202020204" pitchFamily="34" charset="0"/>
-              <a:buNone/>
-              <a:defRPr sz="1600" kern="1200">
-                <a:solidFill>
-                  <a:schemeClr val="tx1"/>
-                </a:solidFill>
-                <a:latin typeface="+mn-lt"/>
-                <a:ea typeface="+mn-ea"/>
-                <a:cs typeface="+mn-cs"/>
-              </a:defRPr>
-            </a:lvl4pPr>
-            <a:lvl5pPr marL="1828800" indent="0" algn="ctr" defTabSz="914400" rtl="0" eaLnBrk="1" latinLnBrk="0" hangingPunct="1">
-              <a:lnSpc>
-                <a:spcPct val="90000"/>
-              </a:lnSpc>
-              <a:spcBef>
-                <a:spcPts val="500"/>
-              </a:spcBef>
-              <a:buFont typeface="Arial" panose="020B0604020202020204" pitchFamily="34" charset="0"/>
-              <a:buNone/>
-              <a:defRPr sz="1600" kern="1200">
-                <a:solidFill>
-                  <a:schemeClr val="tx1"/>
-                </a:solidFill>
-                <a:latin typeface="+mn-lt"/>
-                <a:ea typeface="+mn-ea"/>
-                <a:cs typeface="+mn-cs"/>
-              </a:defRPr>
-            </a:lvl5pPr>
-            <a:lvl6pPr marL="2286000" indent="0" algn="ctr" defTabSz="914400" rtl="0" eaLnBrk="1" latinLnBrk="0" hangingPunct="1">
-              <a:lnSpc>
-                <a:spcPct val="90000"/>
-              </a:lnSpc>
-              <a:spcBef>
-                <a:spcPts val="500"/>
-              </a:spcBef>
-              <a:buFont typeface="Arial" panose="020B0604020202020204" pitchFamily="34" charset="0"/>
-              <a:buNone/>
-              <a:defRPr sz="1600" kern="1200">
-                <a:solidFill>
-                  <a:schemeClr val="tx1"/>
-                </a:solidFill>
-                <a:latin typeface="+mn-lt"/>
-                <a:ea typeface="+mn-ea"/>
-                <a:cs typeface="+mn-cs"/>
-              </a:defRPr>
-            </a:lvl6pPr>
-            <a:lvl7pPr marL="2743200" indent="0" algn="ctr" defTabSz="914400" rtl="0" eaLnBrk="1" latinLnBrk="0" hangingPunct="1">
-              <a:lnSpc>
-                <a:spcPct val="90000"/>
-              </a:lnSpc>
-              <a:spcBef>
-                <a:spcPts val="500"/>
-              </a:spcBef>
-              <a:buFont typeface="Arial" panose="020B0604020202020204" pitchFamily="34" charset="0"/>
-              <a:buNone/>
-              <a:defRPr sz="1600" kern="1200">
-                <a:solidFill>
-                  <a:schemeClr val="tx1"/>
-                </a:solidFill>
-                <a:latin typeface="+mn-lt"/>
-                <a:ea typeface="+mn-ea"/>
-                <a:cs typeface="+mn-cs"/>
-              </a:defRPr>
-            </a:lvl7pPr>
-            <a:lvl8pPr marL="3200400" indent="0" algn="ctr" defTabSz="914400" rtl="0" eaLnBrk="1" latinLnBrk="0" hangingPunct="1">
-              <a:lnSpc>
-                <a:spcPct val="90000"/>
-              </a:lnSpc>
-              <a:spcBef>
-                <a:spcPts val="500"/>
-              </a:spcBef>
-              <a:buFont typeface="Arial" panose="020B0604020202020204" pitchFamily="34" charset="0"/>
-              <a:buNone/>
-              <a:defRPr sz="1600" kern="1200">
-                <a:solidFill>
-                  <a:schemeClr val="tx1"/>
-                </a:solidFill>
-                <a:latin typeface="+mn-lt"/>
-                <a:ea typeface="+mn-ea"/>
-                <a:cs typeface="+mn-cs"/>
-              </a:defRPr>
-            </a:lvl8pPr>
-            <a:lvl9pPr marL="3657600" indent="0" algn="ctr" defTabSz="914400" rtl="0" eaLnBrk="1" latinLnBrk="0" hangingPunct="1">
-              <a:lnSpc>
-                <a:spcPct val="90000"/>
-              </a:lnSpc>
-              <a:spcBef>
-                <a:spcPts val="500"/>
-              </a:spcBef>
-              <a:buFont typeface="Arial" panose="020B0604020202020204" pitchFamily="34" charset="0"/>
-              <a:buNone/>
-              <a:defRPr sz="1600" kern="1200">
-                <a:solidFill>
-                  <a:schemeClr val="tx1"/>
-                </a:solidFill>
-                <a:latin typeface="+mn-lt"/>
-                <a:ea typeface="+mn-ea"/>
-                <a:cs typeface="+mn-cs"/>
-              </a:defRPr>
-            </a:lvl9pPr>
-          </a:lstStyle>
-          <a:p>
-            <a:r>
-              <a:rPr lang="es-ES" b="1" dirty="0" err="1"/>
-              <a:t>String</a:t>
-            </a:r>
-            <a:r>
-              <a:rPr lang="es-ES" b="1" dirty="0"/>
-              <a:t> hola =</a:t>
-            </a:r>
-            <a:r>
-              <a:rPr lang="es-ES" b="1" dirty="0" err="1"/>
-              <a:t>CloudData.Load</a:t>
-            </a:r>
-            <a:r>
-              <a:rPr lang="es-ES" b="1" dirty="0"/>
-              <a:t>(“</a:t>
-            </a:r>
-            <a:r>
-              <a:rPr lang="es-ES" b="1" dirty="0" err="1"/>
-              <a:t>HolaVar</a:t>
-            </a:r>
-            <a:r>
-              <a:rPr lang="es-ES" b="1" dirty="0"/>
-              <a:t>”, hola, </a:t>
-            </a:r>
-            <a:r>
-              <a:rPr lang="es-ES" b="1" dirty="0" err="1"/>
-              <a:t>Cloud.DropBox</a:t>
-            </a:r>
-            <a:r>
-              <a:rPr lang="es-ES" b="1" dirty="0"/>
-              <a:t>);</a:t>
+              <a:t>Variables Primitivas</a:t>
             </a:r>
           </a:p>
         </p:txBody>
@@ -4971,7 +5378,7 @@
     </p:spTree>
     <p:extLst>
       <p:ext uri="{BB962C8B-B14F-4D97-AF65-F5344CB8AC3E}">
-        <p14:creationId xmlns:p14="http://schemas.microsoft.com/office/powerpoint/2010/main" val="1801089076"/>
+        <p14:creationId xmlns:p14="http://schemas.microsoft.com/office/powerpoint/2010/main" val="3229013467"/>
       </p:ext>
     </p:extLst>
   </p:cSld>
@@ -4984,6 +5391,14 @@
 <file path=ppt/slides/slide4.xml><?xml version="1.0" encoding="utf-8"?>
 <p:sld xmlns:a="http://schemas.openxmlformats.org/drawingml/2006/main" xmlns:r="http://schemas.openxmlformats.org/officeDocument/2006/relationships" xmlns:p="http://schemas.openxmlformats.org/presentationml/2006/main">
   <p:cSld>
+    <p:bg>
+      <p:bgPr>
+        <a:solidFill>
+          <a:schemeClr val="bg1"/>
+        </a:solidFill>
+        <a:effectLst/>
+      </p:bgPr>
+    </p:bg>
     <p:spTree>
       <p:nvGrpSpPr>
         <p:cNvPr id="1" name=""/>
@@ -5000,6 +5415,100 @@
       </p:grpSpPr>
       <p:sp>
         <p:nvSpPr>
+          <p:cNvPr id="10" name="Rectangle 9">
+            <a:extLst>
+              <a:ext uri="{FF2B5EF4-FFF2-40B4-BE49-F238E27FC236}">
+                <a16:creationId xmlns:a16="http://schemas.microsoft.com/office/drawing/2014/main" id="{823AC064-BC96-4F32-8AE1-B2FD38754823}"/>
+              </a:ext>
+              <a:ext uri="{C183D7F6-B498-43B3-948B-1728B52AA6E4}">
+                <adec:decorative xmlns:adec="http://schemas.microsoft.com/office/drawing/2017/decorative" val="1"/>
+              </a:ext>
+            </a:extLst>
+          </p:cNvPr>
+          <p:cNvSpPr>
+            <a:spLocks noGrp="1" noRot="1" noChangeAspect="1" noMove="1" noResize="1" noEditPoints="1" noAdjustHandles="1" noChangeArrowheads="1" noChangeShapeType="1" noTextEdit="1"/>
+          </p:cNvSpPr>
+          <p:nvPr>
+            <p:extLst>
+              <p:ext uri="{386F3935-93C4-4BCD-93E2-E3B085C9AB24}">
+                <p16:designElem xmlns:p16="http://schemas.microsoft.com/office/powerpoint/2015/main" val="1"/>
+              </p:ext>
+            </p:extLst>
+          </p:nvPr>
+        </p:nvSpPr>
+        <p:spPr bwMode="ltGray">
+          <a:xfrm>
+            <a:off x="378068" y="343486"/>
+            <a:ext cx="11438793" cy="1844256"/>
+          </a:xfrm>
+          <a:prstGeom prst="rect">
+            <a:avLst/>
+          </a:prstGeom>
+          <a:solidFill>
+            <a:srgbClr val="404040"/>
+          </a:solidFill>
+          <a:ln w="127000" cap="sq" cmpd="thinThick">
+            <a:solidFill>
+              <a:srgbClr val="404040"/>
+            </a:solidFill>
+          </a:ln>
+        </p:spPr>
+        <p:style>
+          <a:lnRef idx="2">
+            <a:schemeClr val="accent1">
+              <a:shade val="50000"/>
+            </a:schemeClr>
+          </a:lnRef>
+          <a:fillRef idx="1">
+            <a:schemeClr val="accent1"/>
+          </a:fillRef>
+          <a:effectRef idx="0">
+            <a:schemeClr val="accent1"/>
+          </a:effectRef>
+          <a:fontRef idx="minor">
+            <a:schemeClr val="lt1"/>
+          </a:fontRef>
+        </p:style>
+        <p:txBody>
+          <a:bodyPr rtlCol="0" anchor="ctr"/>
+          <a:lstStyle/>
+          <a:p>
+            <a:pPr marL="0" marR="0" lvl="0" indent="0" algn="ctr" defTabSz="914400" rtl="0" eaLnBrk="1" fontAlgn="auto" latinLnBrk="0" hangingPunct="1">
+              <a:lnSpc>
+                <a:spcPct val="100000"/>
+              </a:lnSpc>
+              <a:spcBef>
+                <a:spcPts val="0"/>
+              </a:spcBef>
+              <a:spcAft>
+                <a:spcPts val="0"/>
+              </a:spcAft>
+              <a:buClrTx/>
+              <a:buSzTx/>
+              <a:buFontTx/>
+              <a:buNone/>
+              <a:tabLst/>
+              <a:defRPr/>
+            </a:pPr>
+            <a:endParaRPr kumimoji="0" lang="en-US" sz="1800" b="0" i="0" u="none" strike="noStrike" kern="1200" cap="none" spc="0" normalizeH="0" baseline="0" noProof="0">
+              <a:ln>
+                <a:noFill/>
+              </a:ln>
+              <a:solidFill>
+                <a:prstClr val="white"/>
+              </a:solidFill>
+              <a:effectLst/>
+              <a:uLnTx/>
+              <a:uFillTx/>
+              <a:latin typeface="Calibri" panose="020F0502020204030204"/>
+              <a:ea typeface="+mn-ea"/>
+              <a:cs typeface="+mn-cs"/>
+            </a:endParaRPr>
+          </a:p>
+        </p:txBody>
+      </p:sp>
+      <p:sp>
+        <p:nvSpPr>
           <p:cNvPr id="2" name="Título 1">
             <a:extLst>
               <a:ext uri="{FF2B5EF4-FFF2-40B4-BE49-F238E27FC236}">
@@ -5016,21 +5525,23 @@
         </p:nvSpPr>
         <p:spPr>
           <a:xfrm>
-            <a:off x="1524000" y="654612"/>
-            <a:ext cx="9144000" cy="945588"/>
-          </a:xfrm>
-        </p:spPr>
-        <p:txBody>
-          <a:bodyPr/>
-          <a:lstStyle/>
-          <a:p>
-            <a:r>
-              <a:rPr lang="es-ES" dirty="0" err="1"/>
-              <a:t>Crypted</a:t>
-            </a:r>
-            <a:r>
-              <a:rPr lang="es-ES" dirty="0"/>
-              <a:t> </a:t>
+            <a:off x="526073" y="466578"/>
+            <a:ext cx="11139854" cy="930447"/>
+          </a:xfrm>
+        </p:spPr>
+        <p:txBody>
+          <a:bodyPr>
+            <a:normAutofit/>
+          </a:bodyPr>
+          <a:lstStyle/>
+          <a:p>
+            <a:r>
+              <a:rPr lang="es-ES" sz="5400">
+                <a:solidFill>
+                  <a:srgbClr val="FFFFFF"/>
+                </a:solidFill>
+              </a:rPr>
+              <a:t>Crypted </a:t>
             </a:r>
           </a:p>
         </p:txBody>
@@ -5053,21 +5564,79 @@
         </p:nvSpPr>
         <p:spPr>
           <a:xfrm>
-            <a:off x="1055077" y="1600200"/>
-            <a:ext cx="10860258" cy="495886"/>
-          </a:xfrm>
-        </p:spPr>
-        <p:txBody>
-          <a:bodyPr/>
-          <a:lstStyle/>
-          <a:p>
-            <a:r>
-              <a:rPr lang="es-ES" dirty="0"/>
+            <a:off x="1524000" y="1525638"/>
+            <a:ext cx="9144000" cy="420001"/>
+          </a:xfrm>
+        </p:spPr>
+        <p:txBody>
+          <a:bodyPr>
+            <a:normAutofit/>
+          </a:bodyPr>
+          <a:lstStyle/>
+          <a:p>
+            <a:r>
+              <a:rPr lang="es-ES" sz="2000">
+                <a:solidFill>
+                  <a:srgbClr val="31C0DC"/>
+                </a:solidFill>
+              </a:rPr>
               <a:t>Permite definir de manera simple variables que estén encriptadas en memoria. </a:t>
             </a:r>
           </a:p>
         </p:txBody>
       </p:sp>
+      <p:cxnSp>
+        <p:nvCxnSpPr>
+          <p:cNvPr id="12" name="Straight Connector 11">
+            <a:extLst>
+              <a:ext uri="{FF2B5EF4-FFF2-40B4-BE49-F238E27FC236}">
+                <a16:creationId xmlns:a16="http://schemas.microsoft.com/office/drawing/2014/main" id="{7E7C77BC-7138-40B1-A15B-20F57A494629}"/>
+              </a:ext>
+              <a:ext uri="{C183D7F6-B498-43B3-948B-1728B52AA6E4}">
+                <adec:decorative xmlns:adec="http://schemas.microsoft.com/office/drawing/2017/decorative" val="1"/>
+              </a:ext>
+            </a:extLst>
+          </p:cNvPr>
+          <p:cNvCxnSpPr>
+            <a:cxnSpLocks noGrp="1" noRot="1" noChangeAspect="1" noMove="1" noResize="1" noEditPoints="1" noAdjustHandles="1" noChangeArrowheads="1" noChangeShapeType="1"/>
+          </p:cNvCxnSpPr>
+          <p:nvPr>
+            <p:extLst>
+              <p:ext uri="{386F3935-93C4-4BCD-93E2-E3B085C9AB24}">
+                <p16:designElem xmlns:p16="http://schemas.microsoft.com/office/powerpoint/2015/main" val="1"/>
+              </p:ext>
+            </p:extLst>
+          </p:nvPr>
+        </p:nvCxnSpPr>
+        <p:spPr>
+          <a:xfrm>
+            <a:off x="2209800" y="1448631"/>
+            <a:ext cx="7772400" cy="0"/>
+          </a:xfrm>
+          <a:prstGeom prst="line">
+            <a:avLst/>
+          </a:prstGeom>
+          <a:ln w="22225">
+            <a:solidFill>
+              <a:srgbClr val="D9D9D9"/>
+            </a:solidFill>
+          </a:ln>
+        </p:spPr>
+        <p:style>
+          <a:lnRef idx="1">
+            <a:schemeClr val="accent1"/>
+          </a:lnRef>
+          <a:fillRef idx="0">
+            <a:schemeClr val="accent1"/>
+          </a:fillRef>
+          <a:effectRef idx="0">
+            <a:schemeClr val="accent1"/>
+          </a:effectRef>
+          <a:fontRef idx="minor">
+            <a:schemeClr val="tx1"/>
+          </a:fontRef>
+        </p:style>
+      </p:cxnSp>
       <p:pic>
         <p:nvPicPr>
           <p:cNvPr id="5" name="Imagen 4" descr="Pantalla de computadora&#10;&#10;Descripción generada automáticamente">
@@ -5096,8 +5665,8 @@
         </p:blipFill>
         <p:spPr>
           <a:xfrm>
-            <a:off x="1524000" y="2290603"/>
-            <a:ext cx="9596923" cy="2545688"/>
+            <a:off x="320040" y="2983901"/>
+            <a:ext cx="11496821" cy="3049656"/>
           </a:xfrm>
           <a:prstGeom prst="rect">
             <a:avLst/>
@@ -5120,6 +5689,14 @@
 <file path=ppt/slides/slide5.xml><?xml version="1.0" encoding="utf-8"?>
 <p:sld xmlns:a="http://schemas.openxmlformats.org/drawingml/2006/main" xmlns:r="http://schemas.openxmlformats.org/officeDocument/2006/relationships" xmlns:p="http://schemas.openxmlformats.org/presentationml/2006/main">
   <p:cSld>
+    <p:bg>
+      <p:bgPr>
+        <a:solidFill>
+          <a:schemeClr val="bg1"/>
+        </a:solidFill>
+        <a:effectLst/>
+      </p:bgPr>
+    </p:bg>
     <p:spTree>
       <p:nvGrpSpPr>
         <p:cNvPr id="1" name=""/>
@@ -5136,74 +5713,150 @@
       </p:grpSpPr>
       <p:sp>
         <p:nvSpPr>
-          <p:cNvPr id="2" name="Título 1">
-            <a:extLst>
-              <a:ext uri="{FF2B5EF4-FFF2-40B4-BE49-F238E27FC236}">
-                <a16:creationId xmlns:a16="http://schemas.microsoft.com/office/drawing/2014/main" id="{EA52B511-05D9-4A9B-A3F0-64568A195A19}"/>
-              </a:ext>
-            </a:extLst>
-          </p:cNvPr>
-          <p:cNvSpPr>
-            <a:spLocks noGrp="1"/>
-          </p:cNvSpPr>
-          <p:nvPr>
-            <p:ph type="ctrTitle"/>
-          </p:nvPr>
-        </p:nvSpPr>
+          <p:cNvPr id="17" name="Rectangle 16">
+            <a:extLst>
+              <a:ext uri="{FF2B5EF4-FFF2-40B4-BE49-F238E27FC236}">
+                <a16:creationId xmlns:a16="http://schemas.microsoft.com/office/drawing/2014/main" id="{823AC064-BC96-4F32-8AE1-B2FD38754823}"/>
+              </a:ext>
+              <a:ext uri="{C183D7F6-B498-43B3-948B-1728B52AA6E4}">
+                <adec:decorative xmlns:adec="http://schemas.microsoft.com/office/drawing/2017/decorative" val="1"/>
+              </a:ext>
+            </a:extLst>
+          </p:cNvPr>
+          <p:cNvSpPr>
+            <a:spLocks noGrp="1" noRot="1" noChangeAspect="1" noMove="1" noResize="1" noEditPoints="1" noAdjustHandles="1" noChangeArrowheads="1" noChangeShapeType="1" noTextEdit="1"/>
+          </p:cNvSpPr>
+          <p:nvPr>
+            <p:extLst>
+              <p:ext uri="{386F3935-93C4-4BCD-93E2-E3B085C9AB24}">
+                <p16:designElem xmlns:p16="http://schemas.microsoft.com/office/powerpoint/2015/main" val="1"/>
+              </p:ext>
+            </p:extLst>
+          </p:nvPr>
+        </p:nvSpPr>
+        <p:spPr bwMode="ltGray">
+          <a:xfrm>
+            <a:off x="378068" y="343486"/>
+            <a:ext cx="11438793" cy="1844256"/>
+          </a:xfrm>
+          <a:prstGeom prst="rect">
+            <a:avLst/>
+          </a:prstGeom>
+          <a:solidFill>
+            <a:srgbClr val="404040"/>
+          </a:solidFill>
+          <a:ln w="127000" cap="sq" cmpd="thinThick">
+            <a:solidFill>
+              <a:srgbClr val="404040"/>
+            </a:solidFill>
+          </a:ln>
+        </p:spPr>
+        <p:style>
+          <a:lnRef idx="2">
+            <a:schemeClr val="accent1">
+              <a:shade val="50000"/>
+            </a:schemeClr>
+          </a:lnRef>
+          <a:fillRef idx="1">
+            <a:schemeClr val="accent1"/>
+          </a:fillRef>
+          <a:effectRef idx="0">
+            <a:schemeClr val="accent1"/>
+          </a:effectRef>
+          <a:fontRef idx="minor">
+            <a:schemeClr val="lt1"/>
+          </a:fontRef>
+        </p:style>
+        <p:txBody>
+          <a:bodyPr rtlCol="0" anchor="ctr"/>
+          <a:lstStyle/>
+          <a:p>
+            <a:pPr marL="0" marR="0" lvl="0" indent="0" algn="ctr" defTabSz="914400" rtl="0" eaLnBrk="1" fontAlgn="auto" latinLnBrk="0" hangingPunct="1">
+              <a:lnSpc>
+                <a:spcPct val="100000"/>
+              </a:lnSpc>
+              <a:spcBef>
+                <a:spcPts val="0"/>
+              </a:spcBef>
+              <a:spcAft>
+                <a:spcPts val="0"/>
+              </a:spcAft>
+              <a:buClrTx/>
+              <a:buSzTx/>
+              <a:buFontTx/>
+              <a:buNone/>
+              <a:tabLst/>
+              <a:defRPr/>
+            </a:pPr>
+            <a:endParaRPr kumimoji="0" lang="en-US" sz="1800" b="0" i="0" u="none" strike="noStrike" kern="1200" cap="none" spc="0" normalizeH="0" baseline="0" noProof="0">
+              <a:ln>
+                <a:noFill/>
+              </a:ln>
+              <a:solidFill>
+                <a:prstClr val="white"/>
+              </a:solidFill>
+              <a:effectLst/>
+              <a:uLnTx/>
+              <a:uFillTx/>
+              <a:latin typeface="Calibri" panose="020F0502020204030204"/>
+              <a:ea typeface="+mn-ea"/>
+              <a:cs typeface="+mn-cs"/>
+            </a:endParaRPr>
+          </a:p>
+        </p:txBody>
+      </p:sp>
+      <p:cxnSp>
+        <p:nvCxnSpPr>
+          <p:cNvPr id="19" name="Straight Connector 18">
+            <a:extLst>
+              <a:ext uri="{FF2B5EF4-FFF2-40B4-BE49-F238E27FC236}">
+                <a16:creationId xmlns:a16="http://schemas.microsoft.com/office/drawing/2014/main" id="{7E7C77BC-7138-40B1-A15B-20F57A494629}"/>
+              </a:ext>
+              <a:ext uri="{C183D7F6-B498-43B3-948B-1728B52AA6E4}">
+                <adec:decorative xmlns:adec="http://schemas.microsoft.com/office/drawing/2017/decorative" val="1"/>
+              </a:ext>
+            </a:extLst>
+          </p:cNvPr>
+          <p:cNvCxnSpPr>
+            <a:cxnSpLocks noGrp="1" noRot="1" noChangeAspect="1" noMove="1" noResize="1" noEditPoints="1" noAdjustHandles="1" noChangeArrowheads="1" noChangeShapeType="1"/>
+          </p:cNvCxnSpPr>
+          <p:nvPr>
+            <p:extLst>
+              <p:ext uri="{386F3935-93C4-4BCD-93E2-E3B085C9AB24}">
+                <p16:designElem xmlns:p16="http://schemas.microsoft.com/office/powerpoint/2015/main" val="1"/>
+              </p:ext>
+            </p:extLst>
+          </p:nvPr>
+        </p:nvCxnSpPr>
         <p:spPr>
           <a:xfrm>
-            <a:off x="1524000" y="654612"/>
-            <a:ext cx="9144000" cy="945588"/>
-          </a:xfrm>
-        </p:spPr>
-        <p:txBody>
-          <a:bodyPr/>
-          <a:lstStyle/>
-          <a:p>
-            <a:r>
-              <a:rPr lang="es-ES" dirty="0" err="1"/>
-              <a:t>Crypted</a:t>
-            </a:r>
-            <a:r>
-              <a:rPr lang="es-ES" dirty="0"/>
-              <a:t> </a:t>
-            </a:r>
-          </a:p>
-        </p:txBody>
-      </p:sp>
-      <p:sp>
-        <p:nvSpPr>
-          <p:cNvPr id="3" name="Subtítulo 2">
-            <a:extLst>
-              <a:ext uri="{FF2B5EF4-FFF2-40B4-BE49-F238E27FC236}">
-                <a16:creationId xmlns:a16="http://schemas.microsoft.com/office/drawing/2014/main" id="{436D2E1C-EADA-4241-99DF-85A69E61E18C}"/>
-              </a:ext>
-            </a:extLst>
-          </p:cNvPr>
-          <p:cNvSpPr>
-            <a:spLocks noGrp="1"/>
-          </p:cNvSpPr>
-          <p:nvPr>
-            <p:ph type="subTitle" idx="1"/>
-          </p:nvPr>
-        </p:nvSpPr>
-        <p:spPr>
-          <a:xfrm>
-            <a:off x="1055077" y="1600200"/>
-            <a:ext cx="10860258" cy="495886"/>
-          </a:xfrm>
-        </p:spPr>
-        <p:txBody>
-          <a:bodyPr/>
-          <a:lstStyle/>
-          <a:p>
-            <a:r>
-              <a:rPr lang="es-ES" dirty="0"/>
-              <a:t>Permite definir de manera simple variables que estén encriptadas en memoria. </a:t>
-            </a:r>
-          </a:p>
-        </p:txBody>
-      </p:sp>
+            <a:off x="2209800" y="1448631"/>
+            <a:ext cx="7772400" cy="0"/>
+          </a:xfrm>
+          <a:prstGeom prst="line">
+            <a:avLst/>
+          </a:prstGeom>
+          <a:ln w="22225">
+            <a:solidFill>
+              <a:srgbClr val="D9D9D9"/>
+            </a:solidFill>
+          </a:ln>
+        </p:spPr>
+        <p:style>
+          <a:lnRef idx="1">
+            <a:schemeClr val="accent1"/>
+          </a:lnRef>
+          <a:fillRef idx="0">
+            <a:schemeClr val="accent1"/>
+          </a:fillRef>
+          <a:effectRef idx="0">
+            <a:schemeClr val="accent1"/>
+          </a:effectRef>
+          <a:fontRef idx="minor">
+            <a:schemeClr val="tx1"/>
+          </a:fontRef>
+        </p:style>
+      </p:cxnSp>
       <p:pic>
         <p:nvPicPr>
           <p:cNvPr id="6" name="Imagen 5">
@@ -5232,8 +5885,8 @@
         </p:blipFill>
         <p:spPr>
           <a:xfrm>
-            <a:off x="1524000" y="2259706"/>
-            <a:ext cx="9624607" cy="572163"/>
+            <a:off x="319088" y="2811463"/>
+            <a:ext cx="11496675" cy="615950"/>
           </a:xfrm>
           <a:prstGeom prst="rect">
             <a:avLst/>
@@ -5242,10 +5895,10 @@
       </p:pic>
       <p:pic>
         <p:nvPicPr>
-          <p:cNvPr id="10" name="Imagen 9">
-            <a:extLst>
-              <a:ext uri="{FF2B5EF4-FFF2-40B4-BE49-F238E27FC236}">
-                <a16:creationId xmlns:a16="http://schemas.microsoft.com/office/drawing/2014/main" id="{D94A5F3D-87F7-4436-A5FE-CA7F92AFADED}"/>
+          <p:cNvPr id="12" name="Imagen 11" descr="Interfaz de usuario gráfica&#10;&#10;Descripción generada automáticamente">
+            <a:extLst>
+              <a:ext uri="{FF2B5EF4-FFF2-40B4-BE49-F238E27FC236}">
+                <a16:creationId xmlns:a16="http://schemas.microsoft.com/office/drawing/2014/main" id="{6DF3899C-A6B4-4E38-953E-9A892469FFA6}"/>
               </a:ext>
             </a:extLst>
           </p:cNvPr>
@@ -5268,8 +5921,8 @@
         </p:blipFill>
         <p:spPr>
           <a:xfrm>
-            <a:off x="501115" y="4744720"/>
-            <a:ext cx="11540830" cy="1142529"/>
+            <a:off x="319088" y="3505200"/>
+            <a:ext cx="11496675" cy="1557338"/>
           </a:xfrm>
           <a:prstGeom prst="rect">
             <a:avLst/>
@@ -5278,10 +5931,10 @@
       </p:pic>
       <p:pic>
         <p:nvPicPr>
-          <p:cNvPr id="12" name="Imagen 11" descr="Interfaz de usuario gráfica&#10;&#10;Descripción generada automáticamente">
-            <a:extLst>
-              <a:ext uri="{FF2B5EF4-FFF2-40B4-BE49-F238E27FC236}">
-                <a16:creationId xmlns:a16="http://schemas.microsoft.com/office/drawing/2014/main" id="{6DF3899C-A6B4-4E38-953E-9A892469FFA6}"/>
+          <p:cNvPr id="10" name="Imagen 9">
+            <a:extLst>
+              <a:ext uri="{FF2B5EF4-FFF2-40B4-BE49-F238E27FC236}">
+                <a16:creationId xmlns:a16="http://schemas.microsoft.com/office/drawing/2014/main" id="{D94A5F3D-87F7-4436-A5FE-CA7F92AFADED}"/>
               </a:ext>
             </a:extLst>
           </p:cNvPr>
@@ -5304,14 +5957,92 @@
         </p:blipFill>
         <p:spPr>
           <a:xfrm>
-            <a:off x="1523999" y="3119393"/>
-            <a:ext cx="9624607" cy="1365937"/>
+            <a:off x="319088" y="5140325"/>
+            <a:ext cx="11496675" cy="1063625"/>
           </a:xfrm>
           <a:prstGeom prst="rect">
             <a:avLst/>
           </a:prstGeom>
         </p:spPr>
       </p:pic>
+      <p:sp>
+        <p:nvSpPr>
+          <p:cNvPr id="2" name="Título 1">
+            <a:extLst>
+              <a:ext uri="{FF2B5EF4-FFF2-40B4-BE49-F238E27FC236}">
+                <a16:creationId xmlns:a16="http://schemas.microsoft.com/office/drawing/2014/main" id="{EA52B511-05D9-4A9B-A3F0-64568A195A19}"/>
+              </a:ext>
+            </a:extLst>
+          </p:cNvPr>
+          <p:cNvSpPr>
+            <a:spLocks noGrp="1"/>
+          </p:cNvSpPr>
+          <p:nvPr>
+            <p:ph type="ctrTitle"/>
+          </p:nvPr>
+        </p:nvSpPr>
+        <p:spPr>
+          <a:xfrm>
+            <a:off x="526073" y="466578"/>
+            <a:ext cx="11139854" cy="930447"/>
+          </a:xfrm>
+        </p:spPr>
+        <p:txBody>
+          <a:bodyPr>
+            <a:normAutofit/>
+          </a:bodyPr>
+          <a:lstStyle/>
+          <a:p>
+            <a:r>
+              <a:rPr lang="es-ES" sz="5400">
+                <a:solidFill>
+                  <a:srgbClr val="FFFFFF"/>
+                </a:solidFill>
+              </a:rPr>
+              <a:t>Crypted </a:t>
+            </a:r>
+          </a:p>
+        </p:txBody>
+      </p:sp>
+      <p:sp>
+        <p:nvSpPr>
+          <p:cNvPr id="3" name="Subtítulo 2">
+            <a:extLst>
+              <a:ext uri="{FF2B5EF4-FFF2-40B4-BE49-F238E27FC236}">
+                <a16:creationId xmlns:a16="http://schemas.microsoft.com/office/drawing/2014/main" id="{436D2E1C-EADA-4241-99DF-85A69E61E18C}"/>
+              </a:ext>
+            </a:extLst>
+          </p:cNvPr>
+          <p:cNvSpPr>
+            <a:spLocks noGrp="1"/>
+          </p:cNvSpPr>
+          <p:nvPr>
+            <p:ph type="subTitle" idx="1"/>
+          </p:nvPr>
+        </p:nvSpPr>
+        <p:spPr>
+          <a:xfrm>
+            <a:off x="1524000" y="1525638"/>
+            <a:ext cx="9144000" cy="420001"/>
+          </a:xfrm>
+        </p:spPr>
+        <p:txBody>
+          <a:bodyPr>
+            <a:normAutofit/>
+          </a:bodyPr>
+          <a:lstStyle/>
+          <a:p>
+            <a:r>
+              <a:rPr lang="es-ES" sz="2000">
+                <a:solidFill>
+                  <a:srgbClr val="E7E6E6"/>
+                </a:solidFill>
+              </a:rPr>
+              <a:t>Permite definir de manera simple variables que estén encriptadas en memoria. </a:t>
+            </a:r>
+          </a:p>
+        </p:txBody>
+      </p:sp>
     </p:spTree>
     <p:extLst>
       <p:ext uri="{BB962C8B-B14F-4D97-AF65-F5344CB8AC3E}">
@@ -5328,6 +6059,14 @@
 <file path=ppt/slides/slide6.xml><?xml version="1.0" encoding="utf-8"?>
 <p:sld xmlns:a="http://schemas.openxmlformats.org/drawingml/2006/main" xmlns:r="http://schemas.openxmlformats.org/officeDocument/2006/relationships" xmlns:p="http://schemas.openxmlformats.org/presentationml/2006/main">
   <p:cSld>
+    <p:bg>
+      <p:bgPr>
+        <a:solidFill>
+          <a:schemeClr val="bg1"/>
+        </a:solidFill>
+        <a:effectLst/>
+      </p:bgPr>
+    </p:bg>
     <p:spTree>
       <p:nvGrpSpPr>
         <p:cNvPr id="1" name=""/>
@@ -5344,730 +6083,874 @@
       </p:grpSpPr>
       <p:sp>
         <p:nvSpPr>
-          <p:cNvPr id="2" name="Título 1">
-            <a:extLst>
-              <a:ext uri="{FF2B5EF4-FFF2-40B4-BE49-F238E27FC236}">
-                <a16:creationId xmlns:a16="http://schemas.microsoft.com/office/drawing/2014/main" id="{EA52B511-05D9-4A9B-A3F0-64568A195A19}"/>
-              </a:ext>
-            </a:extLst>
-          </p:cNvPr>
-          <p:cNvSpPr>
-            <a:spLocks noGrp="1"/>
-          </p:cNvSpPr>
-          <p:nvPr>
-            <p:ph type="ctrTitle"/>
+          <p:cNvPr id="13" name="Rectangle 12">
+            <a:extLst>
+              <a:ext uri="{FF2B5EF4-FFF2-40B4-BE49-F238E27FC236}">
+                <a16:creationId xmlns:a16="http://schemas.microsoft.com/office/drawing/2014/main" id="{605494DE-B078-4D87-BB01-C84320618DAD}"/>
+              </a:ext>
+              <a:ext uri="{C183D7F6-B498-43B3-948B-1728B52AA6E4}">
+                <adec:decorative xmlns:adec="http://schemas.microsoft.com/office/drawing/2017/decorative" val="1"/>
+              </a:ext>
+            </a:extLst>
+          </p:cNvPr>
+          <p:cNvSpPr>
+            <a:spLocks noGrp="1" noRot="1" noChangeAspect="1" noMove="1" noResize="1" noEditPoints="1" noAdjustHandles="1" noChangeArrowheads="1" noChangeShapeType="1" noTextEdit="1"/>
+          </p:cNvSpPr>
+          <p:nvPr>
+            <p:extLst>
+              <p:ext uri="{386F3935-93C4-4BCD-93E2-E3B085C9AB24}">
+                <p16:designElem xmlns:p16="http://schemas.microsoft.com/office/powerpoint/2015/main" val="1"/>
+              </p:ext>
+            </p:extLst>
           </p:nvPr>
         </p:nvSpPr>
         <p:spPr>
           <a:xfrm>
-            <a:off x="1524000" y="654612"/>
-            <a:ext cx="9144000" cy="945588"/>
-          </a:xfrm>
-        </p:spPr>
-        <p:txBody>
-          <a:bodyPr/>
-          <a:lstStyle/>
-          <a:p>
-            <a:r>
-              <a:rPr lang="es-ES" dirty="0"/>
-              <a:t>Zipper </a:t>
-            </a:r>
-          </a:p>
-        </p:txBody>
-      </p:sp>
-      <p:sp>
-        <p:nvSpPr>
-          <p:cNvPr id="3" name="Subtítulo 2">
-            <a:extLst>
-              <a:ext uri="{FF2B5EF4-FFF2-40B4-BE49-F238E27FC236}">
-                <a16:creationId xmlns:a16="http://schemas.microsoft.com/office/drawing/2014/main" id="{436D2E1C-EADA-4241-99DF-85A69E61E18C}"/>
-              </a:ext>
-            </a:extLst>
-          </p:cNvPr>
-          <p:cNvSpPr>
-            <a:spLocks noGrp="1"/>
-          </p:cNvSpPr>
-          <p:nvPr>
-            <p:ph type="subTitle" idx="1"/>
-          </p:nvPr>
-        </p:nvSpPr>
-        <p:spPr>
-          <a:xfrm>
-            <a:off x="1055077" y="1600200"/>
-            <a:ext cx="10860258" cy="495886"/>
-          </a:xfrm>
-        </p:spPr>
-        <p:txBody>
-          <a:bodyPr/>
-          <a:lstStyle/>
-          <a:p>
-            <a:r>
-              <a:rPr lang="es-ES" dirty="0"/>
-              <a:t>Permite controlar archivos zip de manera fácil para facilitar el manejo de ficheros.</a:t>
-            </a:r>
-          </a:p>
-          <a:p>
-            <a:endParaRPr lang="es-ES" dirty="0"/>
-          </a:p>
-        </p:txBody>
-      </p:sp>
-      <p:sp>
-        <p:nvSpPr>
-          <p:cNvPr id="6" name="Subtítulo 2">
-            <a:extLst>
-              <a:ext uri="{FF2B5EF4-FFF2-40B4-BE49-F238E27FC236}">
-                <a16:creationId xmlns:a16="http://schemas.microsoft.com/office/drawing/2014/main" id="{CBC4BBDE-1B10-44FD-A210-920D0254B1EA}"/>
-              </a:ext>
-            </a:extLst>
-          </p:cNvPr>
-          <p:cNvSpPr txBox="1">
-            <a:spLocks/>
-          </p:cNvSpPr>
-          <p:nvPr/>
-        </p:nvSpPr>
-        <p:spPr>
-          <a:xfrm>
-            <a:off x="1297433" y="2109689"/>
-            <a:ext cx="10255348" cy="495886"/>
+            <a:off x="0" y="-3324"/>
+            <a:ext cx="12192000" cy="6858000"/>
           </a:xfrm>
           <a:prstGeom prst="rect">
             <a:avLst/>
           </a:prstGeom>
-        </p:spPr>
-        <p:txBody>
-          <a:bodyPr vert="horz" lIns="91440" tIns="45720" rIns="91440" bIns="45720" rtlCol="0">
-            <a:normAutofit fontScale="77500" lnSpcReduction="20000"/>
+          <a:solidFill>
+            <a:srgbClr val="FFFFFF"/>
+          </a:solidFill>
+          <a:ln>
+            <a:noFill/>
+          </a:ln>
+        </p:spPr>
+        <p:style>
+          <a:lnRef idx="2">
+            <a:schemeClr val="accent1">
+              <a:shade val="50000"/>
+            </a:schemeClr>
+          </a:lnRef>
+          <a:fillRef idx="1">
+            <a:schemeClr val="accent1"/>
+          </a:fillRef>
+          <a:effectRef idx="0">
+            <a:schemeClr val="accent1"/>
+          </a:effectRef>
+          <a:fontRef idx="minor">
+            <a:schemeClr val="lt1"/>
+          </a:fontRef>
+        </p:style>
+        <p:txBody>
+          <a:bodyPr rtlCol="0" anchor="ctr"/>
+          <a:lstStyle/>
+          <a:p>
+            <a:pPr algn="ctr"/>
+            <a:endParaRPr lang="en-US"/>
+          </a:p>
+        </p:txBody>
+      </p:sp>
+      <p:sp>
+        <p:nvSpPr>
+          <p:cNvPr id="15" name="Rectangle 14">
+            <a:extLst>
+              <a:ext uri="{FF2B5EF4-FFF2-40B4-BE49-F238E27FC236}">
+                <a16:creationId xmlns:a16="http://schemas.microsoft.com/office/drawing/2014/main" id="{9A0576B0-CD8C-4661-95C8-A9F2CE7CDDB0}"/>
+              </a:ext>
+              <a:ext uri="{C183D7F6-B498-43B3-948B-1728B52AA6E4}">
+                <adec:decorative xmlns:adec="http://schemas.microsoft.com/office/drawing/2017/decorative" val="1"/>
+              </a:ext>
+            </a:extLst>
+          </p:cNvPr>
+          <p:cNvSpPr>
+            <a:spLocks noGrp="1" noRot="1" noChangeAspect="1" noMove="1" noResize="1" noEditPoints="1" noAdjustHandles="1" noChangeArrowheads="1" noChangeShapeType="1" noTextEdit="1"/>
+          </p:cNvSpPr>
+          <p:nvPr>
+            <p:extLst>
+              <p:ext uri="{386F3935-93C4-4BCD-93E2-E3B085C9AB24}">
+                <p16:designElem xmlns:p16="http://schemas.microsoft.com/office/powerpoint/2015/main" val="1"/>
+              </p:ext>
+            </p:extLst>
+          </p:nvPr>
+        </p:nvSpPr>
+        <p:spPr>
+          <a:xfrm>
+            <a:off x="0" y="-3324"/>
+            <a:ext cx="4724288" cy="6861324"/>
+          </a:xfrm>
+          <a:prstGeom prst="rect">
+            <a:avLst/>
+          </a:prstGeom>
+          <a:solidFill>
+            <a:srgbClr val="000000">
+              <a:alpha val="80392"/>
+            </a:srgbClr>
+          </a:solidFill>
+          <a:ln>
+            <a:noFill/>
+          </a:ln>
+        </p:spPr>
+        <p:style>
+          <a:lnRef idx="2">
+            <a:schemeClr val="accent1">
+              <a:shade val="50000"/>
+            </a:schemeClr>
+          </a:lnRef>
+          <a:fillRef idx="1">
+            <a:schemeClr val="accent1"/>
+          </a:fillRef>
+          <a:effectRef idx="0">
+            <a:schemeClr val="accent1"/>
+          </a:effectRef>
+          <a:fontRef idx="minor">
+            <a:schemeClr val="lt1"/>
+          </a:fontRef>
+        </p:style>
+        <p:txBody>
+          <a:bodyPr rtlCol="0" anchor="ctr"/>
+          <a:lstStyle/>
+          <a:p>
+            <a:pPr algn="ctr"/>
+            <a:endParaRPr lang="en-US"/>
+          </a:p>
+        </p:txBody>
+      </p:sp>
+      <p:sp>
+        <p:nvSpPr>
+          <p:cNvPr id="17" name="Freeform: Shape 16">
+            <a:extLst>
+              <a:ext uri="{FF2B5EF4-FFF2-40B4-BE49-F238E27FC236}">
+                <a16:creationId xmlns:a16="http://schemas.microsoft.com/office/drawing/2014/main" id="{3FF60E2B-3919-423C-B1FF-56CDE6681165}"/>
+              </a:ext>
+              <a:ext uri="{C183D7F6-B498-43B3-948B-1728B52AA6E4}">
+                <adec:decorative xmlns:adec="http://schemas.microsoft.com/office/drawing/2017/decorative" val="1"/>
+              </a:ext>
+            </a:extLst>
+          </p:cNvPr>
+          <p:cNvSpPr>
+            <a:spLocks noGrp="1" noRot="1" noChangeAspect="1" noMove="1" noResize="1" noEditPoints="1" noAdjustHandles="1" noChangeArrowheads="1" noChangeShapeType="1" noTextEdit="1"/>
+          </p:cNvSpPr>
+          <p:nvPr>
+            <p:extLst>
+              <p:ext uri="{386F3935-93C4-4BCD-93E2-E3B085C9AB24}">
+                <p16:designElem xmlns:p16="http://schemas.microsoft.com/office/powerpoint/2015/main" val="1"/>
+              </p:ext>
+            </p:extLst>
+          </p:nvPr>
+        </p:nvSpPr>
+        <p:spPr>
+          <a:xfrm>
+            <a:off x="0" y="0"/>
+            <a:ext cx="4319042" cy="6858000"/>
+          </a:xfrm>
+          <a:custGeom>
+            <a:avLst/>
+            <a:gdLst>
+              <a:gd name="connsiteX0" fmla="*/ 0 w 4319042"/>
+              <a:gd name="connsiteY0" fmla="*/ 0 h 6858000"/>
+              <a:gd name="connsiteX1" fmla="*/ 1142888 w 4319042"/>
+              <a:gd name="connsiteY1" fmla="*/ 0 h 6858000"/>
+              <a:gd name="connsiteX2" fmla="*/ 4319042 w 4319042"/>
+              <a:gd name="connsiteY2" fmla="*/ 6858000 h 6858000"/>
+              <a:gd name="connsiteX3" fmla="*/ 0 w 4319042"/>
+              <a:gd name="connsiteY3" fmla="*/ 6858000 h 6858000"/>
+            </a:gdLst>
+            <a:ahLst/>
+            <a:cxnLst>
+              <a:cxn ang="0">
+                <a:pos x="connsiteX0" y="connsiteY0"/>
+              </a:cxn>
+              <a:cxn ang="0">
+                <a:pos x="connsiteX1" y="connsiteY1"/>
+              </a:cxn>
+              <a:cxn ang="0">
+                <a:pos x="connsiteX2" y="connsiteY2"/>
+              </a:cxn>
+              <a:cxn ang="0">
+                <a:pos x="connsiteX3" y="connsiteY3"/>
+              </a:cxn>
+            </a:cxnLst>
+            <a:rect l="l" t="t" r="r" b="b"/>
+            <a:pathLst>
+              <a:path w="4319042" h="6858000">
+                <a:moveTo>
+                  <a:pt x="0" y="0"/>
+                </a:moveTo>
+                <a:lnTo>
+                  <a:pt x="1142888" y="0"/>
+                </a:lnTo>
+                <a:lnTo>
+                  <a:pt x="4319042" y="6858000"/>
+                </a:lnTo>
+                <a:lnTo>
+                  <a:pt x="0" y="6858000"/>
+                </a:lnTo>
+                <a:close/>
+              </a:path>
+            </a:pathLst>
+          </a:custGeom>
+          <a:solidFill>
+            <a:srgbClr val="000000">
+              <a:alpha val="34902"/>
+            </a:srgbClr>
+          </a:solidFill>
+          <a:ln>
+            <a:noFill/>
+          </a:ln>
+        </p:spPr>
+        <p:style>
+          <a:lnRef idx="2">
+            <a:schemeClr val="accent1">
+              <a:shade val="50000"/>
+            </a:schemeClr>
+          </a:lnRef>
+          <a:fillRef idx="1">
+            <a:schemeClr val="accent1"/>
+          </a:fillRef>
+          <a:effectRef idx="0">
+            <a:schemeClr val="accent1"/>
+          </a:effectRef>
+          <a:fontRef idx="minor">
+            <a:schemeClr val="lt1"/>
+          </a:fontRef>
+        </p:style>
+        <p:txBody>
+          <a:bodyPr wrap="square" rtlCol="0" anchor="ctr">
+            <a:noAutofit/>
           </a:bodyPr>
-          <a:lstStyle>
-            <a:lvl1pPr marL="0" indent="0" algn="ctr" defTabSz="914400" rtl="0" eaLnBrk="1" latinLnBrk="0" hangingPunct="1">
+          <a:lstStyle/>
+          <a:p>
+            <a:pPr algn="ctr"/>
+            <a:endParaRPr lang="en-US"/>
+          </a:p>
+        </p:txBody>
+      </p:sp>
+      <p:sp>
+        <p:nvSpPr>
+          <p:cNvPr id="2" name="Título 1">
+            <a:extLst>
+              <a:ext uri="{FF2B5EF4-FFF2-40B4-BE49-F238E27FC236}">
+                <a16:creationId xmlns:a16="http://schemas.microsoft.com/office/drawing/2014/main" id="{EA52B511-05D9-4A9B-A3F0-64568A195A19}"/>
+              </a:ext>
+            </a:extLst>
+          </p:cNvPr>
+          <p:cNvSpPr>
+            <a:spLocks noGrp="1"/>
+          </p:cNvSpPr>
+          <p:nvPr>
+            <p:ph type="ctrTitle"/>
+          </p:nvPr>
+        </p:nvSpPr>
+        <p:spPr>
+          <a:xfrm>
+            <a:off x="804672" y="1122363"/>
+            <a:ext cx="3308130" cy="2387600"/>
+          </a:xfrm>
+        </p:spPr>
+        <p:txBody>
+          <a:bodyPr>
+            <a:normAutofit/>
+          </a:bodyPr>
+          <a:lstStyle/>
+          <a:p>
+            <a:pPr algn="l"/>
+            <a:r>
+              <a:rPr lang="es-ES" sz="5400">
+                <a:solidFill>
+                  <a:srgbClr val="FFFFFF"/>
+                </a:solidFill>
+              </a:rPr>
+              <a:t>Language </a:t>
+            </a:r>
+          </a:p>
+        </p:txBody>
+      </p:sp>
+      <p:sp>
+        <p:nvSpPr>
+          <p:cNvPr id="3" name="Subtítulo 2">
+            <a:extLst>
+              <a:ext uri="{FF2B5EF4-FFF2-40B4-BE49-F238E27FC236}">
+                <a16:creationId xmlns:a16="http://schemas.microsoft.com/office/drawing/2014/main" id="{436D2E1C-EADA-4241-99DF-85A69E61E18C}"/>
+              </a:ext>
+            </a:extLst>
+          </p:cNvPr>
+          <p:cNvSpPr>
+            <a:spLocks noGrp="1"/>
+          </p:cNvSpPr>
+          <p:nvPr>
+            <p:ph type="subTitle" idx="1"/>
+          </p:nvPr>
+        </p:nvSpPr>
+        <p:spPr>
+          <a:xfrm>
+            <a:off x="804672" y="3602038"/>
+            <a:ext cx="3308131" cy="1655762"/>
+          </a:xfrm>
+        </p:spPr>
+        <p:txBody>
+          <a:bodyPr>
+            <a:normAutofit/>
+          </a:bodyPr>
+          <a:lstStyle/>
+          <a:p>
+            <a:pPr algn="l"/>
+            <a:r>
+              <a:rPr lang="es-ES" sz="2000">
+                <a:solidFill>
+                  <a:srgbClr val="FFFFFF"/>
+                </a:solidFill>
+              </a:rPr>
+              <a:t>Permite definir el idioma del videojuego, y poder actualizar mediante eventos el contenido del videojuego.</a:t>
+            </a:r>
+          </a:p>
+          <a:p>
+            <a:pPr algn="l"/>
+            <a:endParaRPr lang="es-ES" sz="2000">
+              <a:solidFill>
+                <a:srgbClr val="FFFFFF"/>
+              </a:solidFill>
+            </a:endParaRPr>
+          </a:p>
+        </p:txBody>
+      </p:sp>
+      <p:pic>
+        <p:nvPicPr>
+          <p:cNvPr id="8" name="Imagen 7" descr="Texto&#10;&#10;Descripción generada automáticamente">
+            <a:extLst>
+              <a:ext uri="{FF2B5EF4-FFF2-40B4-BE49-F238E27FC236}">
+                <a16:creationId xmlns:a16="http://schemas.microsoft.com/office/drawing/2014/main" id="{6C1D5760-DA73-4FC8-BE56-6FE556F6D200}"/>
+              </a:ext>
+            </a:extLst>
+          </p:cNvPr>
+          <p:cNvPicPr>
+            <a:picLocks noChangeAspect="1"/>
+          </p:cNvPicPr>
+          <p:nvPr/>
+        </p:nvPicPr>
+        <p:blipFill>
+          <a:blip r:embed="rId2">
+            <a:extLst>
+              <a:ext uri="{28A0092B-C50C-407E-A947-70E740481C1C}">
+                <a14:useLocalDpi xmlns:a14="http://schemas.microsoft.com/office/drawing/2010/main" val="0"/>
+              </a:ext>
+            </a:extLst>
+          </a:blip>
+          <a:stretch>
+            <a:fillRect/>
+          </a:stretch>
+        </p:blipFill>
+        <p:spPr>
+          <a:xfrm>
+            <a:off x="4917474" y="647114"/>
+            <a:ext cx="7156788" cy="5499149"/>
+          </a:xfrm>
+          <a:prstGeom prst="rect">
+            <a:avLst/>
+          </a:prstGeom>
+        </p:spPr>
+      </p:pic>
+    </p:spTree>
+    <p:extLst>
+      <p:ext uri="{BB962C8B-B14F-4D97-AF65-F5344CB8AC3E}">
+        <p14:creationId xmlns:p14="http://schemas.microsoft.com/office/powerpoint/2010/main" val="1879622359"/>
+      </p:ext>
+    </p:extLst>
+  </p:cSld>
+  <p:clrMapOvr>
+    <a:masterClrMapping/>
+  </p:clrMapOvr>
+</p:sld>
+</file>
+
+<file path=ppt/slides/slide7.xml><?xml version="1.0" encoding="utf-8"?>
+<p:sld xmlns:a="http://schemas.openxmlformats.org/drawingml/2006/main" xmlns:r="http://schemas.openxmlformats.org/officeDocument/2006/relationships" xmlns:p="http://schemas.openxmlformats.org/presentationml/2006/main">
+  <p:cSld>
+    <p:bg>
+      <p:bgPr>
+        <a:solidFill>
+          <a:schemeClr val="bg1"/>
+        </a:solidFill>
+        <a:effectLst/>
+      </p:bgPr>
+    </p:bg>
+    <p:spTree>
+      <p:nvGrpSpPr>
+        <p:cNvPr id="1" name=""/>
+        <p:cNvGrpSpPr/>
+        <p:nvPr/>
+      </p:nvGrpSpPr>
+      <p:grpSpPr>
+        <a:xfrm>
+          <a:off x="0" y="0"/>
+          <a:ext cx="0" cy="0"/>
+          <a:chOff x="0" y="0"/>
+          <a:chExt cx="0" cy="0"/>
+        </a:xfrm>
+      </p:grpSpPr>
+      <p:sp>
+        <p:nvSpPr>
+          <p:cNvPr id="13" name="Rectangle 12">
+            <a:extLst>
+              <a:ext uri="{FF2B5EF4-FFF2-40B4-BE49-F238E27FC236}">
+                <a16:creationId xmlns:a16="http://schemas.microsoft.com/office/drawing/2014/main" id="{0DE6A193-4755-479A-BC6F-A7EBCA73BE1A}"/>
+              </a:ext>
+              <a:ext uri="{C183D7F6-B498-43B3-948B-1728B52AA6E4}">
+                <adec:decorative xmlns:adec="http://schemas.microsoft.com/office/drawing/2017/decorative" val="1"/>
+              </a:ext>
+            </a:extLst>
+          </p:cNvPr>
+          <p:cNvSpPr>
+            <a:spLocks noGrp="1" noRot="1" noChangeAspect="1" noMove="1" noResize="1" noEditPoints="1" noAdjustHandles="1" noChangeArrowheads="1" noChangeShapeType="1" noTextEdit="1"/>
+          </p:cNvSpPr>
+          <p:nvPr>
+            <p:extLst>
+              <p:ext uri="{386F3935-93C4-4BCD-93E2-E3B085C9AB24}">
+                <p16:designElem xmlns:p16="http://schemas.microsoft.com/office/powerpoint/2015/main" val="1"/>
+              </p:ext>
+            </p:extLst>
+          </p:nvPr>
+        </p:nvSpPr>
+        <p:spPr>
+          <a:xfrm>
+            <a:off x="0" y="0"/>
+            <a:ext cx="12192001" cy="6858000"/>
+          </a:xfrm>
+          <a:prstGeom prst="rect">
+            <a:avLst/>
+          </a:prstGeom>
+          <a:solidFill>
+            <a:schemeClr val="tx1"/>
+          </a:solidFill>
+          <a:ln>
+            <a:noFill/>
+          </a:ln>
+        </p:spPr>
+        <p:style>
+          <a:lnRef idx="2">
+            <a:schemeClr val="accent1">
+              <a:shade val="50000"/>
+            </a:schemeClr>
+          </a:lnRef>
+          <a:fillRef idx="1">
+            <a:schemeClr val="accent1"/>
+          </a:fillRef>
+          <a:effectRef idx="0">
+            <a:schemeClr val="accent1"/>
+          </a:effectRef>
+          <a:fontRef idx="minor">
+            <a:schemeClr val="lt1"/>
+          </a:fontRef>
+        </p:style>
+        <p:txBody>
+          <a:bodyPr rtlCol="0" anchor="ctr"/>
+          <a:lstStyle/>
+          <a:p>
+            <a:pPr algn="ctr"/>
+            <a:endParaRPr lang="en-US"/>
+          </a:p>
+        </p:txBody>
+      </p:sp>
+      <p:sp>
+        <p:nvSpPr>
+          <p:cNvPr id="15" name="Freeform: Shape 14">
+            <a:extLst>
+              <a:ext uri="{FF2B5EF4-FFF2-40B4-BE49-F238E27FC236}">
+                <a16:creationId xmlns:a16="http://schemas.microsoft.com/office/drawing/2014/main" id="{5A55B759-31A7-423C-9BC2-A8BC09FE98B9}"/>
+              </a:ext>
+              <a:ext uri="{C183D7F6-B498-43B3-948B-1728B52AA6E4}">
+                <adec:decorative xmlns:adec="http://schemas.microsoft.com/office/drawing/2017/decorative" val="1"/>
+              </a:ext>
+            </a:extLst>
+          </p:cNvPr>
+          <p:cNvSpPr>
+            <a:spLocks noGrp="1" noRot="1" noChangeAspect="1" noMove="1" noResize="1" noEditPoints="1" noAdjustHandles="1" noChangeArrowheads="1" noChangeShapeType="1" noTextEdit="1"/>
+          </p:cNvSpPr>
+          <p:nvPr>
+            <p:extLst>
+              <p:ext uri="{386F3935-93C4-4BCD-93E2-E3B085C9AB24}">
+                <p16:designElem xmlns:p16="http://schemas.microsoft.com/office/powerpoint/2015/main" val="1"/>
+              </p:ext>
+            </p:extLst>
+          </p:nvPr>
+        </p:nvSpPr>
+        <p:spPr>
+          <a:xfrm flipV="1">
+            <a:off x="0" y="-478"/>
+            <a:ext cx="6754318" cy="6858478"/>
+          </a:xfrm>
+          <a:custGeom>
+            <a:avLst/>
+            <a:gdLst>
+              <a:gd name="connsiteX0" fmla="*/ 0 w 6754318"/>
+              <a:gd name="connsiteY0" fmla="*/ 6858478 h 6858478"/>
+              <a:gd name="connsiteX1" fmla="*/ 6754318 w 6754318"/>
+              <a:gd name="connsiteY1" fmla="*/ 6858478 h 6858478"/>
+              <a:gd name="connsiteX2" fmla="*/ 3577943 w 6754318"/>
+              <a:gd name="connsiteY2" fmla="*/ 0 h 6858478"/>
+              <a:gd name="connsiteX3" fmla="*/ 3572366 w 6754318"/>
+              <a:gd name="connsiteY3" fmla="*/ 0 h 6858478"/>
+              <a:gd name="connsiteX4" fmla="*/ 2506138 w 6754318"/>
+              <a:gd name="connsiteY4" fmla="*/ 0 h 6858478"/>
+              <a:gd name="connsiteX5" fmla="*/ 0 w 6754318"/>
+              <a:gd name="connsiteY5" fmla="*/ 0 h 6858478"/>
+            </a:gdLst>
+            <a:ahLst/>
+            <a:cxnLst>
+              <a:cxn ang="0">
+                <a:pos x="connsiteX0" y="connsiteY0"/>
+              </a:cxn>
+              <a:cxn ang="0">
+                <a:pos x="connsiteX1" y="connsiteY1"/>
+              </a:cxn>
+              <a:cxn ang="0">
+                <a:pos x="connsiteX2" y="connsiteY2"/>
+              </a:cxn>
+              <a:cxn ang="0">
+                <a:pos x="connsiteX3" y="connsiteY3"/>
+              </a:cxn>
+              <a:cxn ang="0">
+                <a:pos x="connsiteX4" y="connsiteY4"/>
+              </a:cxn>
+              <a:cxn ang="0">
+                <a:pos x="connsiteX5" y="connsiteY5"/>
+              </a:cxn>
+            </a:cxnLst>
+            <a:rect l="l" t="t" r="r" b="b"/>
+            <a:pathLst>
+              <a:path w="6754318" h="6858478">
+                <a:moveTo>
+                  <a:pt x="0" y="6858478"/>
+                </a:moveTo>
+                <a:lnTo>
+                  <a:pt x="6754318" y="6858478"/>
+                </a:lnTo>
+                <a:lnTo>
+                  <a:pt x="3577943" y="0"/>
+                </a:lnTo>
+                <a:lnTo>
+                  <a:pt x="3572366" y="0"/>
+                </a:lnTo>
+                <a:lnTo>
+                  <a:pt x="2506138" y="0"/>
+                </a:lnTo>
+                <a:lnTo>
+                  <a:pt x="0" y="0"/>
+                </a:lnTo>
+                <a:close/>
+              </a:path>
+            </a:pathLst>
+          </a:custGeom>
+          <a:solidFill>
+            <a:schemeClr val="bg1">
+              <a:lumMod val="85000"/>
+              <a:lumOff val="15000"/>
+              <a:alpha val="70000"/>
+            </a:schemeClr>
+          </a:solidFill>
+          <a:ln>
+            <a:noFill/>
+          </a:ln>
+        </p:spPr>
+        <p:style>
+          <a:lnRef idx="2">
+            <a:schemeClr val="accent1">
+              <a:shade val="50000"/>
+            </a:schemeClr>
+          </a:lnRef>
+          <a:fillRef idx="1">
+            <a:schemeClr val="accent1"/>
+          </a:fillRef>
+          <a:effectRef idx="0">
+            <a:schemeClr val="accent1"/>
+          </a:effectRef>
+          <a:fontRef idx="minor">
+            <a:schemeClr val="lt1"/>
+          </a:fontRef>
+        </p:style>
+        <p:txBody>
+          <a:bodyPr wrap="square" rtlCol="0" anchor="ctr">
+            <a:noAutofit/>
+          </a:bodyPr>
+          <a:lstStyle/>
+          <a:p>
+            <a:pPr marL="0" marR="0" lvl="0" indent="0" algn="ctr" defTabSz="914400" rtl="0" eaLnBrk="1" fontAlgn="auto" latinLnBrk="0" hangingPunct="1">
               <a:lnSpc>
-                <a:spcPct val="90000"/>
+                <a:spcPct val="100000"/>
               </a:lnSpc>
               <a:spcBef>
-                <a:spcPts val="1000"/>
+                <a:spcPts val="0"/>
               </a:spcBef>
-              <a:buFont typeface="Arial" panose="020B0604020202020204" pitchFamily="34" charset="0"/>
-              <a:buNone/>
-              <a:defRPr sz="2400" kern="1200">
+              <a:spcAft>
+                <a:spcPts val="0"/>
+              </a:spcAft>
+              <a:buClrTx/>
+              <a:buSzTx/>
+              <a:buFontTx/>
+              <a:buNone/>
+              <a:tabLst/>
+              <a:defRPr/>
+            </a:pPr>
+            <a:endParaRPr kumimoji="0" lang="en-US" sz="1800" b="0" i="0" u="none" strike="noStrike" kern="1200" cap="none" spc="0" normalizeH="0" baseline="0" noProof="0">
+              <a:ln>
+                <a:noFill/>
+              </a:ln>
+              <a:solidFill>
+                <a:prstClr val="white"/>
+              </a:solidFill>
+              <a:effectLst/>
+              <a:uLnTx/>
+              <a:uFillTx/>
+              <a:latin typeface="Calibri" panose="020F0502020204030204"/>
+              <a:ea typeface="+mn-ea"/>
+              <a:cs typeface="+mn-cs"/>
+            </a:endParaRPr>
+          </a:p>
+        </p:txBody>
+      </p:sp>
+      <p:sp>
+        <p:nvSpPr>
+          <p:cNvPr id="17" name="Freeform: Shape 16">
+            <a:extLst>
+              <a:ext uri="{FF2B5EF4-FFF2-40B4-BE49-F238E27FC236}">
+                <a16:creationId xmlns:a16="http://schemas.microsoft.com/office/drawing/2014/main" id="{F78796AF-79A0-47AC-BEFD-BFFC00F968C4}"/>
+              </a:ext>
+              <a:ext uri="{C183D7F6-B498-43B3-948B-1728B52AA6E4}">
+                <adec:decorative xmlns:adec="http://schemas.microsoft.com/office/drawing/2017/decorative" val="1"/>
+              </a:ext>
+            </a:extLst>
+          </p:cNvPr>
+          <p:cNvSpPr>
+            <a:spLocks noGrp="1" noRot="1" noChangeAspect="1" noMove="1" noResize="1" noEditPoints="1" noAdjustHandles="1" noChangeArrowheads="1" noChangeShapeType="1" noTextEdit="1"/>
+          </p:cNvSpPr>
+          <p:nvPr>
+            <p:extLst>
+              <p:ext uri="{386F3935-93C4-4BCD-93E2-E3B085C9AB24}">
+                <p16:designElem xmlns:p16="http://schemas.microsoft.com/office/powerpoint/2015/main" val="1"/>
+              </p:ext>
+            </p:extLst>
+          </p:nvPr>
+        </p:nvSpPr>
+        <p:spPr>
+          <a:xfrm flipV="1">
+            <a:off x="1" y="-478"/>
+            <a:ext cx="5953780" cy="6858478"/>
+          </a:xfrm>
+          <a:custGeom>
+            <a:avLst/>
+            <a:gdLst>
+              <a:gd name="connsiteX0" fmla="*/ 0 w 5953780"/>
+              <a:gd name="connsiteY0" fmla="*/ 6858478 h 6858478"/>
+              <a:gd name="connsiteX1" fmla="*/ 5953780 w 5953780"/>
+              <a:gd name="connsiteY1" fmla="*/ 6858478 h 6858478"/>
+              <a:gd name="connsiteX2" fmla="*/ 2777405 w 5953780"/>
+              <a:gd name="connsiteY2" fmla="*/ 0 h 6858478"/>
+              <a:gd name="connsiteX3" fmla="*/ 2771828 w 5953780"/>
+              <a:gd name="connsiteY3" fmla="*/ 0 h 6858478"/>
+              <a:gd name="connsiteX4" fmla="*/ 1705600 w 5953780"/>
+              <a:gd name="connsiteY4" fmla="*/ 0 h 6858478"/>
+              <a:gd name="connsiteX5" fmla="*/ 0 w 5953780"/>
+              <a:gd name="connsiteY5" fmla="*/ 0 h 6858478"/>
+            </a:gdLst>
+            <a:ahLst/>
+            <a:cxnLst>
+              <a:cxn ang="0">
+                <a:pos x="connsiteX0" y="connsiteY0"/>
+              </a:cxn>
+              <a:cxn ang="0">
+                <a:pos x="connsiteX1" y="connsiteY1"/>
+              </a:cxn>
+              <a:cxn ang="0">
+                <a:pos x="connsiteX2" y="connsiteY2"/>
+              </a:cxn>
+              <a:cxn ang="0">
+                <a:pos x="connsiteX3" y="connsiteY3"/>
+              </a:cxn>
+              <a:cxn ang="0">
+                <a:pos x="connsiteX4" y="connsiteY4"/>
+              </a:cxn>
+              <a:cxn ang="0">
+                <a:pos x="connsiteX5" y="connsiteY5"/>
+              </a:cxn>
+            </a:cxnLst>
+            <a:rect l="l" t="t" r="r" b="b"/>
+            <a:pathLst>
+              <a:path w="5953780" h="6858478">
+                <a:moveTo>
+                  <a:pt x="0" y="6858478"/>
+                </a:moveTo>
+                <a:lnTo>
+                  <a:pt x="5953780" y="6858478"/>
+                </a:lnTo>
+                <a:lnTo>
+                  <a:pt x="2777405" y="0"/>
+                </a:lnTo>
+                <a:lnTo>
+                  <a:pt x="2771828" y="0"/>
+                </a:lnTo>
+                <a:lnTo>
+                  <a:pt x="1705600" y="0"/>
+                </a:lnTo>
+                <a:lnTo>
+                  <a:pt x="0" y="0"/>
+                </a:lnTo>
+                <a:close/>
+              </a:path>
+            </a:pathLst>
+          </a:custGeom>
+          <a:solidFill>
+            <a:schemeClr val="bg1">
+              <a:lumMod val="85000"/>
+              <a:lumOff val="15000"/>
+            </a:schemeClr>
+          </a:solidFill>
+          <a:ln>
+            <a:noFill/>
+          </a:ln>
+        </p:spPr>
+        <p:style>
+          <a:lnRef idx="2">
+            <a:schemeClr val="accent1">
+              <a:shade val="50000"/>
+            </a:schemeClr>
+          </a:lnRef>
+          <a:fillRef idx="1">
+            <a:schemeClr val="accent1"/>
+          </a:fillRef>
+          <a:effectRef idx="0">
+            <a:schemeClr val="accent1"/>
+          </a:effectRef>
+          <a:fontRef idx="minor">
+            <a:schemeClr val="lt1"/>
+          </a:fontRef>
+        </p:style>
+        <p:txBody>
+          <a:bodyPr wrap="square" rtlCol="0" anchor="ctr">
+            <a:noAutofit/>
+          </a:bodyPr>
+          <a:lstStyle/>
+          <a:p>
+            <a:pPr marL="0" marR="0" lvl="0" indent="0" algn="ctr" defTabSz="914400" rtl="0" eaLnBrk="1" fontAlgn="auto" latinLnBrk="0" hangingPunct="1">
+              <a:lnSpc>
+                <a:spcPct val="100000"/>
+              </a:lnSpc>
+              <a:spcBef>
+                <a:spcPts val="0"/>
+              </a:spcBef>
+              <a:spcAft>
+                <a:spcPts val="0"/>
+              </a:spcAft>
+              <a:buClrTx/>
+              <a:buSzTx/>
+              <a:buFontTx/>
+              <a:buNone/>
+              <a:tabLst/>
+              <a:defRPr/>
+            </a:pPr>
+            <a:endParaRPr kumimoji="0" lang="en-US" sz="1800" b="0" i="0" u="none" strike="noStrike" kern="1200" cap="none" spc="0" normalizeH="0" baseline="0" noProof="0">
+              <a:ln>
+                <a:noFill/>
+              </a:ln>
+              <a:solidFill>
+                <a:prstClr val="white"/>
+              </a:solidFill>
+              <a:effectLst/>
+              <a:uLnTx/>
+              <a:uFillTx/>
+              <a:latin typeface="Calibri" panose="020F0502020204030204"/>
+              <a:ea typeface="+mn-ea"/>
+              <a:cs typeface="+mn-cs"/>
+            </a:endParaRPr>
+          </a:p>
+        </p:txBody>
+      </p:sp>
+      <p:sp>
+        <p:nvSpPr>
+          <p:cNvPr id="2" name="Título 1">
+            <a:extLst>
+              <a:ext uri="{FF2B5EF4-FFF2-40B4-BE49-F238E27FC236}">
+                <a16:creationId xmlns:a16="http://schemas.microsoft.com/office/drawing/2014/main" id="{EA52B511-05D9-4A9B-A3F0-64568A195A19}"/>
+              </a:ext>
+            </a:extLst>
+          </p:cNvPr>
+          <p:cNvSpPr>
+            <a:spLocks noGrp="1"/>
+          </p:cNvSpPr>
+          <p:nvPr>
+            <p:ph type="ctrTitle"/>
+          </p:nvPr>
+        </p:nvSpPr>
+        <p:spPr>
+          <a:xfrm>
+            <a:off x="804672" y="338328"/>
+            <a:ext cx="3877056" cy="2249424"/>
+          </a:xfrm>
+        </p:spPr>
+        <p:txBody>
+          <a:bodyPr vert="horz" lIns="91440" tIns="45720" rIns="91440" bIns="45720" rtlCol="0" anchor="b">
+            <a:normAutofit/>
+          </a:bodyPr>
+          <a:lstStyle/>
+          <a:p>
+            <a:pPr algn="l"/>
+            <a:r>
+              <a:rPr lang="en-US" sz="5400" kern="1200">
+                <a:solidFill>
+                  <a:schemeClr val="tx1"/>
+                </a:solidFill>
+                <a:latin typeface="+mj-lt"/>
+                <a:ea typeface="+mj-ea"/>
+                <a:cs typeface="+mj-cs"/>
+              </a:rPr>
+              <a:t>Zipper </a:t>
+            </a:r>
+          </a:p>
+        </p:txBody>
+      </p:sp>
+      <p:sp>
+        <p:nvSpPr>
+          <p:cNvPr id="3" name="Subtítulo 2">
+            <a:extLst>
+              <a:ext uri="{FF2B5EF4-FFF2-40B4-BE49-F238E27FC236}">
+                <a16:creationId xmlns:a16="http://schemas.microsoft.com/office/drawing/2014/main" id="{436D2E1C-EADA-4241-99DF-85A69E61E18C}"/>
+              </a:ext>
+            </a:extLst>
+          </p:cNvPr>
+          <p:cNvSpPr>
+            <a:spLocks noGrp="1"/>
+          </p:cNvSpPr>
+          <p:nvPr>
+            <p:ph type="subTitle" idx="1"/>
+          </p:nvPr>
+        </p:nvSpPr>
+        <p:spPr>
+          <a:xfrm>
+            <a:off x="804672" y="2724912"/>
+            <a:ext cx="3209544" cy="1155525"/>
+          </a:xfrm>
+        </p:spPr>
+        <p:txBody>
+          <a:bodyPr vert="horz" lIns="91440" tIns="45720" rIns="91440" bIns="45720" rtlCol="0" anchor="t">
+            <a:normAutofit/>
+          </a:bodyPr>
+          <a:lstStyle/>
+          <a:p>
+            <a:pPr algn="l"/>
+            <a:r>
+              <a:rPr lang="en-US" sz="1900" kern="1200">
                 <a:solidFill>
                   <a:schemeClr val="tx1"/>
                 </a:solidFill>
                 <a:latin typeface="+mn-lt"/>
                 <a:ea typeface="+mn-ea"/>
                 <a:cs typeface="+mn-cs"/>
-              </a:defRPr>
-            </a:lvl1pPr>
-            <a:lvl2pPr marL="457200" indent="0" algn="ctr" defTabSz="914400" rtl="0" eaLnBrk="1" latinLnBrk="0" hangingPunct="1">
-              <a:lnSpc>
-                <a:spcPct val="90000"/>
-              </a:lnSpc>
-              <a:spcBef>
-                <a:spcPts val="500"/>
-              </a:spcBef>
-              <a:buFont typeface="Arial" panose="020B0604020202020204" pitchFamily="34" charset="0"/>
-              <a:buNone/>
-              <a:defRPr sz="2000" kern="1200">
-                <a:solidFill>
-                  <a:schemeClr val="tx1"/>
-                </a:solidFill>
-                <a:latin typeface="+mn-lt"/>
-                <a:ea typeface="+mn-ea"/>
-                <a:cs typeface="+mn-cs"/>
-              </a:defRPr>
-            </a:lvl2pPr>
-            <a:lvl3pPr marL="914400" indent="0" algn="ctr" defTabSz="914400" rtl="0" eaLnBrk="1" latinLnBrk="0" hangingPunct="1">
-              <a:lnSpc>
-                <a:spcPct val="90000"/>
-              </a:lnSpc>
-              <a:spcBef>
-                <a:spcPts val="500"/>
-              </a:spcBef>
-              <a:buFont typeface="Arial" panose="020B0604020202020204" pitchFamily="34" charset="0"/>
-              <a:buNone/>
-              <a:defRPr sz="1800" kern="1200">
-                <a:solidFill>
-                  <a:schemeClr val="tx1"/>
-                </a:solidFill>
-                <a:latin typeface="+mn-lt"/>
-                <a:ea typeface="+mn-ea"/>
-                <a:cs typeface="+mn-cs"/>
-              </a:defRPr>
-            </a:lvl3pPr>
-            <a:lvl4pPr marL="1371600" indent="0" algn="ctr" defTabSz="914400" rtl="0" eaLnBrk="1" latinLnBrk="0" hangingPunct="1">
-              <a:lnSpc>
-                <a:spcPct val="90000"/>
-              </a:lnSpc>
-              <a:spcBef>
-                <a:spcPts val="500"/>
-              </a:spcBef>
-              <a:buFont typeface="Arial" panose="020B0604020202020204" pitchFamily="34" charset="0"/>
-              <a:buNone/>
-              <a:defRPr sz="1600" kern="1200">
-                <a:solidFill>
-                  <a:schemeClr val="tx1"/>
-                </a:solidFill>
-                <a:latin typeface="+mn-lt"/>
-                <a:ea typeface="+mn-ea"/>
-                <a:cs typeface="+mn-cs"/>
-              </a:defRPr>
-            </a:lvl4pPr>
-            <a:lvl5pPr marL="1828800" indent="0" algn="ctr" defTabSz="914400" rtl="0" eaLnBrk="1" latinLnBrk="0" hangingPunct="1">
-              <a:lnSpc>
-                <a:spcPct val="90000"/>
-              </a:lnSpc>
-              <a:spcBef>
-                <a:spcPts val="500"/>
-              </a:spcBef>
-              <a:buFont typeface="Arial" panose="020B0604020202020204" pitchFamily="34" charset="0"/>
-              <a:buNone/>
-              <a:defRPr sz="1600" kern="1200">
-                <a:solidFill>
-                  <a:schemeClr val="tx1"/>
-                </a:solidFill>
-                <a:latin typeface="+mn-lt"/>
-                <a:ea typeface="+mn-ea"/>
-                <a:cs typeface="+mn-cs"/>
-              </a:defRPr>
-            </a:lvl5pPr>
-            <a:lvl6pPr marL="2286000" indent="0" algn="ctr" defTabSz="914400" rtl="0" eaLnBrk="1" latinLnBrk="0" hangingPunct="1">
-              <a:lnSpc>
-                <a:spcPct val="90000"/>
-              </a:lnSpc>
-              <a:spcBef>
-                <a:spcPts val="500"/>
-              </a:spcBef>
-              <a:buFont typeface="Arial" panose="020B0604020202020204" pitchFamily="34" charset="0"/>
-              <a:buNone/>
-              <a:defRPr sz="1600" kern="1200">
-                <a:solidFill>
-                  <a:schemeClr val="tx1"/>
-                </a:solidFill>
-                <a:latin typeface="+mn-lt"/>
-                <a:ea typeface="+mn-ea"/>
-                <a:cs typeface="+mn-cs"/>
-              </a:defRPr>
-            </a:lvl6pPr>
-            <a:lvl7pPr marL="2743200" indent="0" algn="ctr" defTabSz="914400" rtl="0" eaLnBrk="1" latinLnBrk="0" hangingPunct="1">
-              <a:lnSpc>
-                <a:spcPct val="90000"/>
-              </a:lnSpc>
-              <a:spcBef>
-                <a:spcPts val="500"/>
-              </a:spcBef>
-              <a:buFont typeface="Arial" panose="020B0604020202020204" pitchFamily="34" charset="0"/>
-              <a:buNone/>
-              <a:defRPr sz="1600" kern="1200">
-                <a:solidFill>
-                  <a:schemeClr val="tx1"/>
-                </a:solidFill>
-                <a:latin typeface="+mn-lt"/>
-                <a:ea typeface="+mn-ea"/>
-                <a:cs typeface="+mn-cs"/>
-              </a:defRPr>
-            </a:lvl7pPr>
-            <a:lvl8pPr marL="3200400" indent="0" algn="ctr" defTabSz="914400" rtl="0" eaLnBrk="1" latinLnBrk="0" hangingPunct="1">
-              <a:lnSpc>
-                <a:spcPct val="90000"/>
-              </a:lnSpc>
-              <a:spcBef>
-                <a:spcPts val="500"/>
-              </a:spcBef>
-              <a:buFont typeface="Arial" panose="020B0604020202020204" pitchFamily="34" charset="0"/>
-              <a:buNone/>
-              <a:defRPr sz="1600" kern="1200">
-                <a:solidFill>
-                  <a:schemeClr val="tx1"/>
-                </a:solidFill>
-                <a:latin typeface="+mn-lt"/>
-                <a:ea typeface="+mn-ea"/>
-                <a:cs typeface="+mn-cs"/>
-              </a:defRPr>
-            </a:lvl8pPr>
-            <a:lvl9pPr marL="3657600" indent="0" algn="ctr" defTabSz="914400" rtl="0" eaLnBrk="1" latinLnBrk="0" hangingPunct="1">
-              <a:lnSpc>
-                <a:spcPct val="90000"/>
-              </a:lnSpc>
-              <a:spcBef>
-                <a:spcPts val="500"/>
-              </a:spcBef>
-              <a:buFont typeface="Arial" panose="020B0604020202020204" pitchFamily="34" charset="0"/>
-              <a:buNone/>
-              <a:defRPr sz="1600" kern="1200">
-                <a:solidFill>
-                  <a:schemeClr val="tx1"/>
-                </a:solidFill>
-                <a:latin typeface="+mn-lt"/>
-                <a:ea typeface="+mn-ea"/>
-                <a:cs typeface="+mn-cs"/>
-              </a:defRPr>
-            </a:lvl9pPr>
-          </a:lstStyle>
-          <a:p>
-            <a:pPr marL="342900" indent="-342900">
-              <a:buFontTx/>
-              <a:buChar char="-"/>
-            </a:pPr>
-            <a:r>
-              <a:rPr lang="es-ES" dirty="0"/>
-              <a:t>Combina muy bien con el sistema de datos de recursos, la carga de datos y el manejo de la nube.</a:t>
-            </a:r>
-          </a:p>
-          <a:p>
-            <a:endParaRPr lang="es-ES" dirty="0"/>
-          </a:p>
-        </p:txBody>
-      </p:sp>
-      <p:sp>
-        <p:nvSpPr>
-          <p:cNvPr id="7" name="Subtítulo 2">
-            <a:extLst>
-              <a:ext uri="{FF2B5EF4-FFF2-40B4-BE49-F238E27FC236}">
-                <a16:creationId xmlns:a16="http://schemas.microsoft.com/office/drawing/2014/main" id="{77C31470-2E03-4941-B1D8-FFB530A37D85}"/>
-              </a:ext>
-            </a:extLst>
-          </p:cNvPr>
-          <p:cNvSpPr txBox="1">
-            <a:spLocks/>
-          </p:cNvSpPr>
-          <p:nvPr/>
-        </p:nvSpPr>
-        <p:spPr>
-          <a:xfrm>
-            <a:off x="6485205" y="3328714"/>
-            <a:ext cx="5430129" cy="495886"/>
-          </a:xfrm>
-          <a:prstGeom prst="rect">
-            <a:avLst/>
-          </a:prstGeom>
-        </p:spPr>
-        <p:txBody>
-          <a:bodyPr vert="horz" lIns="91440" tIns="45720" rIns="91440" bIns="45720" rtlCol="0">
-            <a:normAutofit fontScale="92500"/>
-          </a:bodyPr>
-          <a:lstStyle>
-            <a:lvl1pPr marL="0" indent="0" algn="ctr" defTabSz="914400" rtl="0" eaLnBrk="1" latinLnBrk="0" hangingPunct="1">
-              <a:lnSpc>
-                <a:spcPct val="90000"/>
-              </a:lnSpc>
-              <a:spcBef>
-                <a:spcPts val="1000"/>
-              </a:spcBef>
-              <a:buFont typeface="Arial" panose="020B0604020202020204" pitchFamily="34" charset="0"/>
-              <a:buNone/>
-              <a:defRPr sz="2400" kern="1200">
-                <a:solidFill>
-                  <a:schemeClr val="tx1"/>
-                </a:solidFill>
-                <a:latin typeface="+mn-lt"/>
-                <a:ea typeface="+mn-ea"/>
-                <a:cs typeface="+mn-cs"/>
-              </a:defRPr>
-            </a:lvl1pPr>
-            <a:lvl2pPr marL="457200" indent="0" algn="ctr" defTabSz="914400" rtl="0" eaLnBrk="1" latinLnBrk="0" hangingPunct="1">
-              <a:lnSpc>
-                <a:spcPct val="90000"/>
-              </a:lnSpc>
-              <a:spcBef>
-                <a:spcPts val="500"/>
-              </a:spcBef>
-              <a:buFont typeface="Arial" panose="020B0604020202020204" pitchFamily="34" charset="0"/>
-              <a:buNone/>
-              <a:defRPr sz="2000" kern="1200">
-                <a:solidFill>
-                  <a:schemeClr val="tx1"/>
-                </a:solidFill>
-                <a:latin typeface="+mn-lt"/>
-                <a:ea typeface="+mn-ea"/>
-                <a:cs typeface="+mn-cs"/>
-              </a:defRPr>
-            </a:lvl2pPr>
-            <a:lvl3pPr marL="914400" indent="0" algn="ctr" defTabSz="914400" rtl="0" eaLnBrk="1" latinLnBrk="0" hangingPunct="1">
-              <a:lnSpc>
-                <a:spcPct val="90000"/>
-              </a:lnSpc>
-              <a:spcBef>
-                <a:spcPts val="500"/>
-              </a:spcBef>
-              <a:buFont typeface="Arial" panose="020B0604020202020204" pitchFamily="34" charset="0"/>
-              <a:buNone/>
-              <a:defRPr sz="1800" kern="1200">
-                <a:solidFill>
-                  <a:schemeClr val="tx1"/>
-                </a:solidFill>
-                <a:latin typeface="+mn-lt"/>
-                <a:ea typeface="+mn-ea"/>
-                <a:cs typeface="+mn-cs"/>
-              </a:defRPr>
-            </a:lvl3pPr>
-            <a:lvl4pPr marL="1371600" indent="0" algn="ctr" defTabSz="914400" rtl="0" eaLnBrk="1" latinLnBrk="0" hangingPunct="1">
-              <a:lnSpc>
-                <a:spcPct val="90000"/>
-              </a:lnSpc>
-              <a:spcBef>
-                <a:spcPts val="500"/>
-              </a:spcBef>
-              <a:buFont typeface="Arial" panose="020B0604020202020204" pitchFamily="34" charset="0"/>
-              <a:buNone/>
-              <a:defRPr sz="1600" kern="1200">
-                <a:solidFill>
-                  <a:schemeClr val="tx1"/>
-                </a:solidFill>
-                <a:latin typeface="+mn-lt"/>
-                <a:ea typeface="+mn-ea"/>
-                <a:cs typeface="+mn-cs"/>
-              </a:defRPr>
-            </a:lvl4pPr>
-            <a:lvl5pPr marL="1828800" indent="0" algn="ctr" defTabSz="914400" rtl="0" eaLnBrk="1" latinLnBrk="0" hangingPunct="1">
-              <a:lnSpc>
-                <a:spcPct val="90000"/>
-              </a:lnSpc>
-              <a:spcBef>
-                <a:spcPts val="500"/>
-              </a:spcBef>
-              <a:buFont typeface="Arial" panose="020B0604020202020204" pitchFamily="34" charset="0"/>
-              <a:buNone/>
-              <a:defRPr sz="1600" kern="1200">
-                <a:solidFill>
-                  <a:schemeClr val="tx1"/>
-                </a:solidFill>
-                <a:latin typeface="+mn-lt"/>
-                <a:ea typeface="+mn-ea"/>
-                <a:cs typeface="+mn-cs"/>
-              </a:defRPr>
-            </a:lvl5pPr>
-            <a:lvl6pPr marL="2286000" indent="0" algn="ctr" defTabSz="914400" rtl="0" eaLnBrk="1" latinLnBrk="0" hangingPunct="1">
-              <a:lnSpc>
-                <a:spcPct val="90000"/>
-              </a:lnSpc>
-              <a:spcBef>
-                <a:spcPts val="500"/>
-              </a:spcBef>
-              <a:buFont typeface="Arial" panose="020B0604020202020204" pitchFamily="34" charset="0"/>
-              <a:buNone/>
-              <a:defRPr sz="1600" kern="1200">
-                <a:solidFill>
-                  <a:schemeClr val="tx1"/>
-                </a:solidFill>
-                <a:latin typeface="+mn-lt"/>
-                <a:ea typeface="+mn-ea"/>
-                <a:cs typeface="+mn-cs"/>
-              </a:defRPr>
-            </a:lvl6pPr>
-            <a:lvl7pPr marL="2743200" indent="0" algn="ctr" defTabSz="914400" rtl="0" eaLnBrk="1" latinLnBrk="0" hangingPunct="1">
-              <a:lnSpc>
-                <a:spcPct val="90000"/>
-              </a:lnSpc>
-              <a:spcBef>
-                <a:spcPts val="500"/>
-              </a:spcBef>
-              <a:buFont typeface="Arial" panose="020B0604020202020204" pitchFamily="34" charset="0"/>
-              <a:buNone/>
-              <a:defRPr sz="1600" kern="1200">
-                <a:solidFill>
-                  <a:schemeClr val="tx1"/>
-                </a:solidFill>
-                <a:latin typeface="+mn-lt"/>
-                <a:ea typeface="+mn-ea"/>
-                <a:cs typeface="+mn-cs"/>
-              </a:defRPr>
-            </a:lvl7pPr>
-            <a:lvl8pPr marL="3200400" indent="0" algn="ctr" defTabSz="914400" rtl="0" eaLnBrk="1" latinLnBrk="0" hangingPunct="1">
-              <a:lnSpc>
-                <a:spcPct val="90000"/>
-              </a:lnSpc>
-              <a:spcBef>
-                <a:spcPts val="500"/>
-              </a:spcBef>
-              <a:buFont typeface="Arial" panose="020B0604020202020204" pitchFamily="34" charset="0"/>
-              <a:buNone/>
-              <a:defRPr sz="1600" kern="1200">
-                <a:solidFill>
-                  <a:schemeClr val="tx1"/>
-                </a:solidFill>
-                <a:latin typeface="+mn-lt"/>
-                <a:ea typeface="+mn-ea"/>
-                <a:cs typeface="+mn-cs"/>
-              </a:defRPr>
-            </a:lvl8pPr>
-            <a:lvl9pPr marL="3657600" indent="0" algn="ctr" defTabSz="914400" rtl="0" eaLnBrk="1" latinLnBrk="0" hangingPunct="1">
-              <a:lnSpc>
-                <a:spcPct val="90000"/>
-              </a:lnSpc>
-              <a:spcBef>
-                <a:spcPts val="500"/>
-              </a:spcBef>
-              <a:buFont typeface="Arial" panose="020B0604020202020204" pitchFamily="34" charset="0"/>
-              <a:buNone/>
-              <a:defRPr sz="1600" kern="1200">
-                <a:solidFill>
-                  <a:schemeClr val="tx1"/>
-                </a:solidFill>
-                <a:latin typeface="+mn-lt"/>
-                <a:ea typeface="+mn-ea"/>
-                <a:cs typeface="+mn-cs"/>
-              </a:defRPr>
-            </a:lvl9pPr>
-          </a:lstStyle>
-          <a:p>
-            <a:r>
-              <a:rPr lang="es-ES" b="1" dirty="0" err="1"/>
-              <a:t>Zipper.Unzip</a:t>
-            </a:r>
-            <a:r>
-              <a:rPr lang="es-ES" b="1" dirty="0"/>
-              <a:t>(“/</a:t>
-            </a:r>
-            <a:r>
-              <a:rPr lang="es-ES" b="1" dirty="0" err="1"/>
-              <a:t>temp</a:t>
-            </a:r>
-            <a:r>
-              <a:rPr lang="es-ES" b="1" dirty="0"/>
-              <a:t>/</a:t>
-            </a:r>
-            <a:r>
-              <a:rPr lang="es-ES" b="1" dirty="0" err="1"/>
-              <a:t>path</a:t>
-            </a:r>
-            <a:r>
-              <a:rPr lang="es-ES" b="1" dirty="0"/>
-              <a:t>”, “output/</a:t>
-            </a:r>
-            <a:r>
-              <a:rPr lang="es-ES" b="1" dirty="0" err="1"/>
-              <a:t>path</a:t>
-            </a:r>
-            <a:r>
-              <a:rPr lang="es-ES" b="1" dirty="0"/>
-              <a:t>”);</a:t>
-            </a:r>
-          </a:p>
-        </p:txBody>
-      </p:sp>
-      <p:sp>
-        <p:nvSpPr>
-          <p:cNvPr id="8" name="Subtítulo 2">
-            <a:extLst>
-              <a:ext uri="{FF2B5EF4-FFF2-40B4-BE49-F238E27FC236}">
-                <a16:creationId xmlns:a16="http://schemas.microsoft.com/office/drawing/2014/main" id="{E2F3C490-CAB0-431A-8D78-BCB3F0E7E0CF}"/>
-              </a:ext>
-            </a:extLst>
-          </p:cNvPr>
-          <p:cNvSpPr txBox="1">
-            <a:spLocks/>
-          </p:cNvSpPr>
-          <p:nvPr/>
-        </p:nvSpPr>
-        <p:spPr>
-          <a:xfrm>
-            <a:off x="1297433" y="3328713"/>
-            <a:ext cx="5089299" cy="444017"/>
-          </a:xfrm>
-          <a:prstGeom prst="rect">
-            <a:avLst/>
-          </a:prstGeom>
-        </p:spPr>
-        <p:txBody>
-          <a:bodyPr vert="horz" lIns="91440" tIns="45720" rIns="91440" bIns="45720" rtlCol="0">
-            <a:normAutofit fontScale="92500"/>
-          </a:bodyPr>
-          <a:lstStyle>
-            <a:lvl1pPr marL="0" indent="0" algn="ctr" defTabSz="914400" rtl="0" eaLnBrk="1" latinLnBrk="0" hangingPunct="1">
-              <a:lnSpc>
-                <a:spcPct val="90000"/>
-              </a:lnSpc>
-              <a:spcBef>
-                <a:spcPts val="1000"/>
-              </a:spcBef>
-              <a:buFont typeface="Arial" panose="020B0604020202020204" pitchFamily="34" charset="0"/>
-              <a:buNone/>
-              <a:defRPr sz="2400" kern="1200">
-                <a:solidFill>
-                  <a:schemeClr val="tx1"/>
-                </a:solidFill>
-                <a:latin typeface="+mn-lt"/>
-                <a:ea typeface="+mn-ea"/>
-                <a:cs typeface="+mn-cs"/>
-              </a:defRPr>
-            </a:lvl1pPr>
-            <a:lvl2pPr marL="457200" indent="0" algn="ctr" defTabSz="914400" rtl="0" eaLnBrk="1" latinLnBrk="0" hangingPunct="1">
-              <a:lnSpc>
-                <a:spcPct val="90000"/>
-              </a:lnSpc>
-              <a:spcBef>
-                <a:spcPts val="500"/>
-              </a:spcBef>
-              <a:buFont typeface="Arial" panose="020B0604020202020204" pitchFamily="34" charset="0"/>
-              <a:buNone/>
-              <a:defRPr sz="2000" kern="1200">
-                <a:solidFill>
-                  <a:schemeClr val="tx1"/>
-                </a:solidFill>
-                <a:latin typeface="+mn-lt"/>
-                <a:ea typeface="+mn-ea"/>
-                <a:cs typeface="+mn-cs"/>
-              </a:defRPr>
-            </a:lvl2pPr>
-            <a:lvl3pPr marL="914400" indent="0" algn="ctr" defTabSz="914400" rtl="0" eaLnBrk="1" latinLnBrk="0" hangingPunct="1">
-              <a:lnSpc>
-                <a:spcPct val="90000"/>
-              </a:lnSpc>
-              <a:spcBef>
-                <a:spcPts val="500"/>
-              </a:spcBef>
-              <a:buFont typeface="Arial" panose="020B0604020202020204" pitchFamily="34" charset="0"/>
-              <a:buNone/>
-              <a:defRPr sz="1800" kern="1200">
-                <a:solidFill>
-                  <a:schemeClr val="tx1"/>
-                </a:solidFill>
-                <a:latin typeface="+mn-lt"/>
-                <a:ea typeface="+mn-ea"/>
-                <a:cs typeface="+mn-cs"/>
-              </a:defRPr>
-            </a:lvl3pPr>
-            <a:lvl4pPr marL="1371600" indent="0" algn="ctr" defTabSz="914400" rtl="0" eaLnBrk="1" latinLnBrk="0" hangingPunct="1">
-              <a:lnSpc>
-                <a:spcPct val="90000"/>
-              </a:lnSpc>
-              <a:spcBef>
-                <a:spcPts val="500"/>
-              </a:spcBef>
-              <a:buFont typeface="Arial" panose="020B0604020202020204" pitchFamily="34" charset="0"/>
-              <a:buNone/>
-              <a:defRPr sz="1600" kern="1200">
-                <a:solidFill>
-                  <a:schemeClr val="tx1"/>
-                </a:solidFill>
-                <a:latin typeface="+mn-lt"/>
-                <a:ea typeface="+mn-ea"/>
-                <a:cs typeface="+mn-cs"/>
-              </a:defRPr>
-            </a:lvl4pPr>
-            <a:lvl5pPr marL="1828800" indent="0" algn="ctr" defTabSz="914400" rtl="0" eaLnBrk="1" latinLnBrk="0" hangingPunct="1">
-              <a:lnSpc>
-                <a:spcPct val="90000"/>
-              </a:lnSpc>
-              <a:spcBef>
-                <a:spcPts val="500"/>
-              </a:spcBef>
-              <a:buFont typeface="Arial" panose="020B0604020202020204" pitchFamily="34" charset="0"/>
-              <a:buNone/>
-              <a:defRPr sz="1600" kern="1200">
-                <a:solidFill>
-                  <a:schemeClr val="tx1"/>
-                </a:solidFill>
-                <a:latin typeface="+mn-lt"/>
-                <a:ea typeface="+mn-ea"/>
-                <a:cs typeface="+mn-cs"/>
-              </a:defRPr>
-            </a:lvl5pPr>
-            <a:lvl6pPr marL="2286000" indent="0" algn="ctr" defTabSz="914400" rtl="0" eaLnBrk="1" latinLnBrk="0" hangingPunct="1">
-              <a:lnSpc>
-                <a:spcPct val="90000"/>
-              </a:lnSpc>
-              <a:spcBef>
-                <a:spcPts val="500"/>
-              </a:spcBef>
-              <a:buFont typeface="Arial" panose="020B0604020202020204" pitchFamily="34" charset="0"/>
-              <a:buNone/>
-              <a:defRPr sz="1600" kern="1200">
-                <a:solidFill>
-                  <a:schemeClr val="tx1"/>
-                </a:solidFill>
-                <a:latin typeface="+mn-lt"/>
-                <a:ea typeface="+mn-ea"/>
-                <a:cs typeface="+mn-cs"/>
-              </a:defRPr>
-            </a:lvl6pPr>
-            <a:lvl7pPr marL="2743200" indent="0" algn="ctr" defTabSz="914400" rtl="0" eaLnBrk="1" latinLnBrk="0" hangingPunct="1">
-              <a:lnSpc>
-                <a:spcPct val="90000"/>
-              </a:lnSpc>
-              <a:spcBef>
-                <a:spcPts val="500"/>
-              </a:spcBef>
-              <a:buFont typeface="Arial" panose="020B0604020202020204" pitchFamily="34" charset="0"/>
-              <a:buNone/>
-              <a:defRPr sz="1600" kern="1200">
-                <a:solidFill>
-                  <a:schemeClr val="tx1"/>
-                </a:solidFill>
-                <a:latin typeface="+mn-lt"/>
-                <a:ea typeface="+mn-ea"/>
-                <a:cs typeface="+mn-cs"/>
-              </a:defRPr>
-            </a:lvl7pPr>
-            <a:lvl8pPr marL="3200400" indent="0" algn="ctr" defTabSz="914400" rtl="0" eaLnBrk="1" latinLnBrk="0" hangingPunct="1">
-              <a:lnSpc>
-                <a:spcPct val="90000"/>
-              </a:lnSpc>
-              <a:spcBef>
-                <a:spcPts val="500"/>
-              </a:spcBef>
-              <a:buFont typeface="Arial" panose="020B0604020202020204" pitchFamily="34" charset="0"/>
-              <a:buNone/>
-              <a:defRPr sz="1600" kern="1200">
-                <a:solidFill>
-                  <a:schemeClr val="tx1"/>
-                </a:solidFill>
-                <a:latin typeface="+mn-lt"/>
-                <a:ea typeface="+mn-ea"/>
-                <a:cs typeface="+mn-cs"/>
-              </a:defRPr>
-            </a:lvl8pPr>
-            <a:lvl9pPr marL="3657600" indent="0" algn="ctr" defTabSz="914400" rtl="0" eaLnBrk="1" latinLnBrk="0" hangingPunct="1">
-              <a:lnSpc>
-                <a:spcPct val="90000"/>
-              </a:lnSpc>
-              <a:spcBef>
-                <a:spcPts val="500"/>
-              </a:spcBef>
-              <a:buFont typeface="Arial" panose="020B0604020202020204" pitchFamily="34" charset="0"/>
-              <a:buNone/>
-              <a:defRPr sz="1600" kern="1200">
-                <a:solidFill>
-                  <a:schemeClr val="tx1"/>
-                </a:solidFill>
-                <a:latin typeface="+mn-lt"/>
-                <a:ea typeface="+mn-ea"/>
-                <a:cs typeface="+mn-cs"/>
-              </a:defRPr>
-            </a:lvl9pPr>
-          </a:lstStyle>
-          <a:p>
-            <a:r>
-              <a:rPr lang="es-ES" b="1" dirty="0" err="1"/>
-              <a:t>Zipper.Zip</a:t>
-            </a:r>
-            <a:r>
-              <a:rPr lang="es-ES" b="1" dirty="0"/>
-              <a:t>(“/</a:t>
-            </a:r>
-            <a:r>
-              <a:rPr lang="es-ES" b="1" dirty="0" err="1"/>
-              <a:t>temp</a:t>
-            </a:r>
-            <a:r>
-              <a:rPr lang="es-ES" b="1" dirty="0"/>
-              <a:t>/</a:t>
-            </a:r>
-            <a:r>
-              <a:rPr lang="es-ES" b="1" dirty="0" err="1"/>
-              <a:t>path</a:t>
-            </a:r>
-            <a:r>
-              <a:rPr lang="es-ES" b="1" dirty="0"/>
-              <a:t>”, “output/</a:t>
-            </a:r>
-            <a:r>
-              <a:rPr lang="es-ES" b="1" dirty="0" err="1"/>
-              <a:t>path</a:t>
-            </a:r>
-            <a:r>
-              <a:rPr lang="es-ES" b="1" dirty="0"/>
-              <a:t>”);</a:t>
-            </a:r>
+              </a:rPr>
+              <a:t>Permite controlar archivos zip de manera fácil para facilitar el manejo de ficheros.</a:t>
+            </a:r>
+          </a:p>
+          <a:p>
+            <a:pPr algn="l"/>
+            <a:endParaRPr lang="en-US" sz="1900" kern="1200">
+              <a:solidFill>
+                <a:schemeClr val="tx1"/>
+              </a:solidFill>
+              <a:latin typeface="+mn-lt"/>
+              <a:ea typeface="+mn-ea"/>
+              <a:cs typeface="+mn-cs"/>
+            </a:endParaRPr>
           </a:p>
         </p:txBody>
       </p:sp>
@@ -6079,7 +6962,7 @@
     </p:extLst>
   </p:cSld>
   <p:clrMapOvr>
-    <a:masterClrMapping/>
+    <a:overrideClrMapping bg1="dk1" tx1="lt1" bg2="dk2" tx2="lt2" accent1="accent1" accent2="accent2" accent3="accent3" accent4="accent4" accent5="accent5" accent6="accent6" hlink="hlink" folHlink="folHlink"/>
   </p:clrMapOvr>
 </p:sld>
 </file>
